--- a/img/figs.pptx
+++ b/img/figs.pptx
@@ -11,11 +11,13 @@
     <p:sldId id="259" r:id="rId5"/>
     <p:sldId id="260" r:id="rId6"/>
     <p:sldId id="262" r:id="rId7"/>
-    <p:sldId id="263" r:id="rId8"/>
-    <p:sldId id="266" r:id="rId9"/>
-    <p:sldId id="267" r:id="rId10"/>
-    <p:sldId id="264" r:id="rId11"/>
-    <p:sldId id="265" r:id="rId12"/>
+    <p:sldId id="269" r:id="rId8"/>
+    <p:sldId id="268" r:id="rId9"/>
+    <p:sldId id="263" r:id="rId10"/>
+    <p:sldId id="266" r:id="rId11"/>
+    <p:sldId id="267" r:id="rId12"/>
+    <p:sldId id="264" r:id="rId13"/>
+    <p:sldId id="265" r:id="rId14"/>
   </p:sldIdLst>
   <p:sldSz cx="9144000" cy="6858000" type="screen4x3"/>
   <p:notesSz cx="7099300" cy="10234613"/>
@@ -3158,6 +3160,812 @@
           <a:chExt cx="0" cy="0"/>
         </a:xfrm>
       </p:grpSpPr>
+      <p:grpSp>
+        <p:nvGrpSpPr>
+          <p:cNvPr id="2" name="Group 9"/>
+          <p:cNvGrpSpPr/>
+          <p:nvPr/>
+        </p:nvGrpSpPr>
+        <p:grpSpPr>
+          <a:xfrm>
+            <a:off x="2743200" y="609600"/>
+            <a:ext cx="4114800" cy="3657600"/>
+            <a:chOff x="2743200" y="609600"/>
+            <a:chExt cx="4114800" cy="3657600"/>
+          </a:xfrm>
+        </p:grpSpPr>
+        <p:cxnSp>
+          <p:nvCxnSpPr>
+            <p:cNvPr id="24" name="Straight Arrow Connector 23"/>
+            <p:cNvCxnSpPr/>
+            <p:nvPr/>
+          </p:nvCxnSpPr>
+          <p:spPr>
+            <a:xfrm flipV="1">
+              <a:off x="4572000" y="609600"/>
+              <a:ext cx="0" cy="3657600"/>
+            </a:xfrm>
+            <a:prstGeom prst="straightConnector1">
+              <a:avLst/>
+            </a:prstGeom>
+            <a:ln w="19050">
+              <a:solidFill>
+                <a:schemeClr val="tx1"/>
+              </a:solidFill>
+              <a:tailEnd type="arrow"/>
+            </a:ln>
+          </p:spPr>
+          <p:style>
+            <a:lnRef idx="1">
+              <a:schemeClr val="accent1"/>
+            </a:lnRef>
+            <a:fillRef idx="0">
+              <a:schemeClr val="accent1"/>
+            </a:fillRef>
+            <a:effectRef idx="0">
+              <a:schemeClr val="accent1"/>
+            </a:effectRef>
+            <a:fontRef idx="minor">
+              <a:schemeClr val="tx1"/>
+            </a:fontRef>
+          </p:style>
+        </p:cxnSp>
+        <p:cxnSp>
+          <p:nvCxnSpPr>
+            <p:cNvPr id="25" name="Straight Arrow Connector 24"/>
+            <p:cNvCxnSpPr/>
+            <p:nvPr/>
+          </p:nvCxnSpPr>
+          <p:spPr>
+            <a:xfrm>
+              <a:off x="2743200" y="3429000"/>
+              <a:ext cx="4114800" cy="0"/>
+            </a:xfrm>
+            <a:prstGeom prst="straightConnector1">
+              <a:avLst/>
+            </a:prstGeom>
+            <a:ln w="19050">
+              <a:solidFill>
+                <a:srgbClr val="000000"/>
+              </a:solidFill>
+              <a:tailEnd type="arrow"/>
+            </a:ln>
+          </p:spPr>
+          <p:style>
+            <a:lnRef idx="1">
+              <a:schemeClr val="accent1"/>
+            </a:lnRef>
+            <a:fillRef idx="0">
+              <a:schemeClr val="accent1"/>
+            </a:fillRef>
+            <a:effectRef idx="0">
+              <a:schemeClr val="accent1"/>
+            </a:effectRef>
+            <a:fontRef idx="minor">
+              <a:schemeClr val="tx1"/>
+            </a:fontRef>
+          </p:style>
+        </p:cxnSp>
+        <p:sp>
+          <p:nvSpPr>
+            <p:cNvPr id="27" name="TextBox 26"/>
+            <p:cNvSpPr txBox="1"/>
+            <p:nvPr/>
+          </p:nvSpPr>
+          <p:spPr>
+            <a:xfrm>
+              <a:off x="4191000" y="609600"/>
+              <a:ext cx="289149" cy="369332"/>
+            </a:xfrm>
+            <a:prstGeom prst="rect">
+              <a:avLst/>
+            </a:prstGeom>
+            <a:noFill/>
+          </p:spPr>
+          <p:txBody>
+            <a:bodyPr wrap="none" rtlCol="0">
+              <a:spAutoFit/>
+            </a:bodyPr>
+            <a:lstStyle/>
+            <a:p>
+              <a:r>
+                <a:rPr lang="en-US" dirty="0" smtClean="0"/>
+                <a:t>y</a:t>
+              </a:r>
+              <a:endParaRPr lang="en-US" dirty="0"/>
+            </a:p>
+          </p:txBody>
+        </p:sp>
+        <p:sp>
+          <p:nvSpPr>
+            <p:cNvPr id="28" name="TextBox 27"/>
+            <p:cNvSpPr txBox="1"/>
+            <p:nvPr/>
+          </p:nvSpPr>
+          <p:spPr>
+            <a:xfrm>
+              <a:off x="6477000" y="3048000"/>
+              <a:ext cx="289149" cy="369332"/>
+            </a:xfrm>
+            <a:prstGeom prst="rect">
+              <a:avLst/>
+            </a:prstGeom>
+            <a:noFill/>
+          </p:spPr>
+          <p:txBody>
+            <a:bodyPr wrap="none" rtlCol="0">
+              <a:spAutoFit/>
+            </a:bodyPr>
+            <a:lstStyle/>
+            <a:p>
+              <a:r>
+                <a:rPr lang="en-US" dirty="0" smtClean="0"/>
+                <a:t>x</a:t>
+              </a:r>
+              <a:endParaRPr lang="en-US" dirty="0"/>
+            </a:p>
+          </p:txBody>
+        </p:sp>
+        <p:sp>
+          <p:nvSpPr>
+            <p:cNvPr id="9" name="TextBox 8"/>
+            <p:cNvSpPr txBox="1"/>
+            <p:nvPr/>
+          </p:nvSpPr>
+          <p:spPr>
+            <a:xfrm>
+              <a:off x="5562600" y="2819400"/>
+              <a:ext cx="642273" cy="369332"/>
+            </a:xfrm>
+            <a:prstGeom prst="rect">
+              <a:avLst/>
+            </a:prstGeom>
+            <a:noFill/>
+          </p:spPr>
+          <p:txBody>
+            <a:bodyPr wrap="none" rtlCol="0">
+              <a:spAutoFit/>
+            </a:bodyPr>
+            <a:lstStyle/>
+            <a:p>
+              <a:r>
+                <a:rPr lang="en-US" dirty="0"/>
+                <a:t>b</a:t>
+              </a:r>
+              <a:r>
+                <a:rPr lang="en-US" dirty="0" smtClean="0"/>
+                <a:t> = </a:t>
+              </a:r>
+              <a:r>
+                <a:rPr lang="en-US" dirty="0" smtClean="0"/>
+                <a:t>1</a:t>
+              </a:r>
+              <a:endParaRPr lang="en-US" dirty="0"/>
+            </a:p>
+          </p:txBody>
+        </p:sp>
+      </p:grpSp>
+      <p:sp>
+        <p:nvSpPr>
+          <p:cNvPr id="12" name="Oval 11"/>
+          <p:cNvSpPr/>
+          <p:nvPr/>
+        </p:nvSpPr>
+        <p:spPr>
+          <a:xfrm>
+            <a:off x="4953000" y="2971800"/>
+            <a:ext cx="91440" cy="91440"/>
+          </a:xfrm>
+          <a:prstGeom prst="ellipse">
+            <a:avLst/>
+          </a:prstGeom>
+          <a:solidFill>
+            <a:srgbClr val="00B0F0"/>
+          </a:solidFill>
+          <a:ln>
+            <a:solidFill>
+              <a:srgbClr val="00B0F0"/>
+            </a:solidFill>
+          </a:ln>
+          <a:effectLst/>
+        </p:spPr>
+        <p:style>
+          <a:lnRef idx="1">
+            <a:schemeClr val="accent1"/>
+          </a:lnRef>
+          <a:fillRef idx="3">
+            <a:schemeClr val="accent1"/>
+          </a:fillRef>
+          <a:effectRef idx="2">
+            <a:schemeClr val="accent1"/>
+          </a:effectRef>
+          <a:fontRef idx="minor">
+            <a:schemeClr val="lt1"/>
+          </a:fontRef>
+        </p:style>
+        <p:txBody>
+          <a:bodyPr rtlCol="0" anchor="ctr"/>
+          <a:lstStyle/>
+          <a:p>
+            <a:pPr algn="ctr"/>
+            <a:endParaRPr lang="en-US"/>
+          </a:p>
+        </p:txBody>
+      </p:sp>
+      <p:sp>
+        <p:nvSpPr>
+          <p:cNvPr id="13" name="Oval 12"/>
+          <p:cNvSpPr/>
+          <p:nvPr/>
+        </p:nvSpPr>
+        <p:spPr>
+          <a:xfrm>
+            <a:off x="4114800" y="2971800"/>
+            <a:ext cx="91440" cy="91440"/>
+          </a:xfrm>
+          <a:prstGeom prst="ellipse">
+            <a:avLst/>
+          </a:prstGeom>
+          <a:solidFill>
+            <a:srgbClr val="00B0F0"/>
+          </a:solidFill>
+          <a:ln>
+            <a:solidFill>
+              <a:srgbClr val="00B0F0"/>
+            </a:solidFill>
+          </a:ln>
+          <a:effectLst/>
+        </p:spPr>
+        <p:style>
+          <a:lnRef idx="1">
+            <a:schemeClr val="accent1"/>
+          </a:lnRef>
+          <a:fillRef idx="3">
+            <a:schemeClr val="accent1"/>
+          </a:fillRef>
+          <a:effectRef idx="2">
+            <a:schemeClr val="accent1"/>
+          </a:effectRef>
+          <a:fontRef idx="minor">
+            <a:schemeClr val="lt1"/>
+          </a:fontRef>
+        </p:style>
+        <p:txBody>
+          <a:bodyPr rtlCol="0" anchor="ctr"/>
+          <a:lstStyle/>
+          <a:p>
+            <a:pPr algn="ctr"/>
+            <a:endParaRPr lang="en-US"/>
+          </a:p>
+        </p:txBody>
+      </p:sp>
+      <p:sp>
+        <p:nvSpPr>
+          <p:cNvPr id="14" name="Oval 13"/>
+          <p:cNvSpPr/>
+          <p:nvPr/>
+        </p:nvSpPr>
+        <p:spPr>
+          <a:xfrm>
+            <a:off x="4521200" y="3390900"/>
+            <a:ext cx="91440" cy="91440"/>
+          </a:xfrm>
+          <a:prstGeom prst="ellipse">
+            <a:avLst/>
+          </a:prstGeom>
+          <a:solidFill>
+            <a:srgbClr val="00B0F0"/>
+          </a:solidFill>
+          <a:ln>
+            <a:solidFill>
+              <a:srgbClr val="00B0F0"/>
+            </a:solidFill>
+          </a:ln>
+          <a:effectLst/>
+        </p:spPr>
+        <p:style>
+          <a:lnRef idx="1">
+            <a:schemeClr val="accent1"/>
+          </a:lnRef>
+          <a:fillRef idx="3">
+            <a:schemeClr val="accent1"/>
+          </a:fillRef>
+          <a:effectRef idx="2">
+            <a:schemeClr val="accent1"/>
+          </a:effectRef>
+          <a:fontRef idx="minor">
+            <a:schemeClr val="lt1"/>
+          </a:fontRef>
+        </p:style>
+        <p:txBody>
+          <a:bodyPr rtlCol="0" anchor="ctr"/>
+          <a:lstStyle/>
+          <a:p>
+            <a:pPr algn="ctr"/>
+            <a:endParaRPr lang="en-US"/>
+          </a:p>
+        </p:txBody>
+      </p:sp>
+    </p:spTree>
+    <p:extLst>
+      <p:ext uri="{BB962C8B-B14F-4D97-AF65-F5344CB8AC3E}">
+        <p14:creationId xmlns:p14="http://schemas.microsoft.com/office/powerpoint/2010/main" xmlns="" val="861583048"/>
+      </p:ext>
+    </p:extLst>
+  </p:cSld>
+  <p:clrMapOvr>
+    <a:masterClrMapping/>
+  </p:clrMapOvr>
+</p:sld>
+</file>
+
+<file path=ppt/slides/slide11.xml><?xml version="1.0" encoding="utf-8"?>
+<p:sld xmlns:a="http://schemas.openxmlformats.org/drawingml/2006/main" xmlns:r="http://schemas.openxmlformats.org/officeDocument/2006/relationships" xmlns:p="http://schemas.openxmlformats.org/presentationml/2006/main">
+  <p:cSld>
+    <p:spTree>
+      <p:nvGrpSpPr>
+        <p:cNvPr id="1" name=""/>
+        <p:cNvGrpSpPr/>
+        <p:nvPr/>
+      </p:nvGrpSpPr>
+      <p:grpSpPr>
+        <a:xfrm>
+          <a:off x="0" y="0"/>
+          <a:ext cx="0" cy="0"/>
+          <a:chOff x="0" y="0"/>
+          <a:chExt cx="0" cy="0"/>
+        </a:xfrm>
+      </p:grpSpPr>
+      <p:grpSp>
+        <p:nvGrpSpPr>
+          <p:cNvPr id="2" name="Group 9"/>
+          <p:cNvGrpSpPr/>
+          <p:nvPr/>
+        </p:nvGrpSpPr>
+        <p:grpSpPr>
+          <a:xfrm>
+            <a:off x="2743200" y="609600"/>
+            <a:ext cx="4114800" cy="3657600"/>
+            <a:chOff x="2743200" y="609600"/>
+            <a:chExt cx="4114800" cy="3657600"/>
+          </a:xfrm>
+        </p:grpSpPr>
+        <p:cxnSp>
+          <p:nvCxnSpPr>
+            <p:cNvPr id="24" name="Straight Arrow Connector 23"/>
+            <p:cNvCxnSpPr/>
+            <p:nvPr/>
+          </p:nvCxnSpPr>
+          <p:spPr>
+            <a:xfrm flipV="1">
+              <a:off x="4572000" y="609600"/>
+              <a:ext cx="0" cy="3657600"/>
+            </a:xfrm>
+            <a:prstGeom prst="straightConnector1">
+              <a:avLst/>
+            </a:prstGeom>
+            <a:ln w="19050">
+              <a:solidFill>
+                <a:schemeClr val="tx1"/>
+              </a:solidFill>
+              <a:tailEnd type="arrow"/>
+            </a:ln>
+          </p:spPr>
+          <p:style>
+            <a:lnRef idx="1">
+              <a:schemeClr val="accent1"/>
+            </a:lnRef>
+            <a:fillRef idx="0">
+              <a:schemeClr val="accent1"/>
+            </a:fillRef>
+            <a:effectRef idx="0">
+              <a:schemeClr val="accent1"/>
+            </a:effectRef>
+            <a:fontRef idx="minor">
+              <a:schemeClr val="tx1"/>
+            </a:fontRef>
+          </p:style>
+        </p:cxnSp>
+        <p:cxnSp>
+          <p:nvCxnSpPr>
+            <p:cNvPr id="25" name="Straight Arrow Connector 24"/>
+            <p:cNvCxnSpPr/>
+            <p:nvPr/>
+          </p:nvCxnSpPr>
+          <p:spPr>
+            <a:xfrm>
+              <a:off x="2743200" y="3429000"/>
+              <a:ext cx="4114800" cy="0"/>
+            </a:xfrm>
+            <a:prstGeom prst="straightConnector1">
+              <a:avLst/>
+            </a:prstGeom>
+            <a:ln w="19050">
+              <a:solidFill>
+                <a:srgbClr val="000000"/>
+              </a:solidFill>
+              <a:tailEnd type="arrow"/>
+            </a:ln>
+          </p:spPr>
+          <p:style>
+            <a:lnRef idx="1">
+              <a:schemeClr val="accent1"/>
+            </a:lnRef>
+            <a:fillRef idx="0">
+              <a:schemeClr val="accent1"/>
+            </a:fillRef>
+            <a:effectRef idx="0">
+              <a:schemeClr val="accent1"/>
+            </a:effectRef>
+            <a:fontRef idx="minor">
+              <a:schemeClr val="tx1"/>
+            </a:fontRef>
+          </p:style>
+        </p:cxnSp>
+        <p:sp>
+          <p:nvSpPr>
+            <p:cNvPr id="27" name="TextBox 26"/>
+            <p:cNvSpPr txBox="1"/>
+            <p:nvPr/>
+          </p:nvSpPr>
+          <p:spPr>
+            <a:xfrm>
+              <a:off x="4191000" y="609600"/>
+              <a:ext cx="289149" cy="369332"/>
+            </a:xfrm>
+            <a:prstGeom prst="rect">
+              <a:avLst/>
+            </a:prstGeom>
+            <a:noFill/>
+          </p:spPr>
+          <p:txBody>
+            <a:bodyPr wrap="none" rtlCol="0">
+              <a:spAutoFit/>
+            </a:bodyPr>
+            <a:lstStyle/>
+            <a:p>
+              <a:r>
+                <a:rPr lang="en-US" dirty="0" smtClean="0"/>
+                <a:t>y</a:t>
+              </a:r>
+              <a:endParaRPr lang="en-US" dirty="0"/>
+            </a:p>
+          </p:txBody>
+        </p:sp>
+        <p:sp>
+          <p:nvSpPr>
+            <p:cNvPr id="28" name="TextBox 27"/>
+            <p:cNvSpPr txBox="1"/>
+            <p:nvPr/>
+          </p:nvSpPr>
+          <p:spPr>
+            <a:xfrm>
+              <a:off x="6477000" y="3048000"/>
+              <a:ext cx="289149" cy="369332"/>
+            </a:xfrm>
+            <a:prstGeom prst="rect">
+              <a:avLst/>
+            </a:prstGeom>
+            <a:noFill/>
+          </p:spPr>
+          <p:txBody>
+            <a:bodyPr wrap="none" rtlCol="0">
+              <a:spAutoFit/>
+            </a:bodyPr>
+            <a:lstStyle/>
+            <a:p>
+              <a:r>
+                <a:rPr lang="en-US" dirty="0" smtClean="0"/>
+                <a:t>x</a:t>
+              </a:r>
+              <a:endParaRPr lang="en-US" dirty="0"/>
+            </a:p>
+          </p:txBody>
+        </p:sp>
+        <p:sp>
+          <p:nvSpPr>
+            <p:cNvPr id="9" name="TextBox 8"/>
+            <p:cNvSpPr txBox="1"/>
+            <p:nvPr/>
+          </p:nvSpPr>
+          <p:spPr>
+            <a:xfrm>
+              <a:off x="5562600" y="2819400"/>
+              <a:ext cx="644728" cy="369332"/>
+            </a:xfrm>
+            <a:prstGeom prst="rect">
+              <a:avLst/>
+            </a:prstGeom>
+            <a:noFill/>
+          </p:spPr>
+          <p:txBody>
+            <a:bodyPr wrap="none" rtlCol="0">
+              <a:spAutoFit/>
+            </a:bodyPr>
+            <a:lstStyle/>
+            <a:p>
+              <a:r>
+                <a:rPr lang="en-US" dirty="0"/>
+                <a:t>b</a:t>
+              </a:r>
+              <a:r>
+                <a:rPr lang="en-US" dirty="0" smtClean="0"/>
+                <a:t> = </a:t>
+              </a:r>
+              <a:r>
+                <a:rPr lang="en-US" dirty="0" smtClean="0"/>
+                <a:t>2</a:t>
+              </a:r>
+              <a:endParaRPr lang="en-US" dirty="0"/>
+            </a:p>
+          </p:txBody>
+        </p:sp>
+      </p:grpSp>
+      <p:sp>
+        <p:nvSpPr>
+          <p:cNvPr id="12" name="Oval 11"/>
+          <p:cNvSpPr/>
+          <p:nvPr/>
+        </p:nvSpPr>
+        <p:spPr>
+          <a:xfrm>
+            <a:off x="4953000" y="2971800"/>
+            <a:ext cx="91440" cy="91440"/>
+          </a:xfrm>
+          <a:prstGeom prst="ellipse">
+            <a:avLst/>
+          </a:prstGeom>
+          <a:solidFill>
+            <a:srgbClr val="00B0F0"/>
+          </a:solidFill>
+          <a:ln>
+            <a:solidFill>
+              <a:srgbClr val="00B0F0"/>
+            </a:solidFill>
+          </a:ln>
+          <a:effectLst/>
+        </p:spPr>
+        <p:style>
+          <a:lnRef idx="1">
+            <a:schemeClr val="accent1"/>
+          </a:lnRef>
+          <a:fillRef idx="3">
+            <a:schemeClr val="accent1"/>
+          </a:fillRef>
+          <a:effectRef idx="2">
+            <a:schemeClr val="accent1"/>
+          </a:effectRef>
+          <a:fontRef idx="minor">
+            <a:schemeClr val="lt1"/>
+          </a:fontRef>
+        </p:style>
+        <p:txBody>
+          <a:bodyPr rtlCol="0" anchor="ctr"/>
+          <a:lstStyle/>
+          <a:p>
+            <a:pPr algn="ctr"/>
+            <a:endParaRPr lang="en-US"/>
+          </a:p>
+        </p:txBody>
+      </p:sp>
+      <p:sp>
+        <p:nvSpPr>
+          <p:cNvPr id="13" name="Oval 12"/>
+          <p:cNvSpPr/>
+          <p:nvPr/>
+        </p:nvSpPr>
+        <p:spPr>
+          <a:xfrm>
+            <a:off x="4114800" y="2971800"/>
+            <a:ext cx="91440" cy="91440"/>
+          </a:xfrm>
+          <a:prstGeom prst="ellipse">
+            <a:avLst/>
+          </a:prstGeom>
+          <a:solidFill>
+            <a:srgbClr val="00B0F0"/>
+          </a:solidFill>
+          <a:ln>
+            <a:solidFill>
+              <a:srgbClr val="00B0F0"/>
+            </a:solidFill>
+          </a:ln>
+          <a:effectLst/>
+        </p:spPr>
+        <p:style>
+          <a:lnRef idx="1">
+            <a:schemeClr val="accent1"/>
+          </a:lnRef>
+          <a:fillRef idx="3">
+            <a:schemeClr val="accent1"/>
+          </a:fillRef>
+          <a:effectRef idx="2">
+            <a:schemeClr val="accent1"/>
+          </a:effectRef>
+          <a:fontRef idx="minor">
+            <a:schemeClr val="lt1"/>
+          </a:fontRef>
+        </p:style>
+        <p:txBody>
+          <a:bodyPr rtlCol="0" anchor="ctr"/>
+          <a:lstStyle/>
+          <a:p>
+            <a:pPr algn="ctr"/>
+            <a:endParaRPr lang="en-US"/>
+          </a:p>
+        </p:txBody>
+      </p:sp>
+      <p:sp>
+        <p:nvSpPr>
+          <p:cNvPr id="14" name="Oval 13"/>
+          <p:cNvSpPr/>
+          <p:nvPr/>
+        </p:nvSpPr>
+        <p:spPr>
+          <a:xfrm>
+            <a:off x="4521200" y="3390900"/>
+            <a:ext cx="91440" cy="91440"/>
+          </a:xfrm>
+          <a:prstGeom prst="ellipse">
+            <a:avLst/>
+          </a:prstGeom>
+          <a:solidFill>
+            <a:srgbClr val="00B0F0"/>
+          </a:solidFill>
+          <a:ln>
+            <a:solidFill>
+              <a:srgbClr val="00B0F0"/>
+            </a:solidFill>
+          </a:ln>
+          <a:effectLst/>
+        </p:spPr>
+        <p:style>
+          <a:lnRef idx="1">
+            <a:schemeClr val="accent1"/>
+          </a:lnRef>
+          <a:fillRef idx="3">
+            <a:schemeClr val="accent1"/>
+          </a:fillRef>
+          <a:effectRef idx="2">
+            <a:schemeClr val="accent1"/>
+          </a:effectRef>
+          <a:fontRef idx="minor">
+            <a:schemeClr val="lt1"/>
+          </a:fontRef>
+        </p:style>
+        <p:txBody>
+          <a:bodyPr rtlCol="0" anchor="ctr"/>
+          <a:lstStyle/>
+          <a:p>
+            <a:pPr algn="ctr"/>
+            <a:endParaRPr lang="en-US"/>
+          </a:p>
+        </p:txBody>
+      </p:sp>
+      <p:sp>
+        <p:nvSpPr>
+          <p:cNvPr id="16" name="Oval 15"/>
+          <p:cNvSpPr/>
+          <p:nvPr/>
+        </p:nvSpPr>
+        <p:spPr>
+          <a:xfrm>
+            <a:off x="5334000" y="2590800"/>
+            <a:ext cx="91440" cy="91440"/>
+          </a:xfrm>
+          <a:prstGeom prst="ellipse">
+            <a:avLst/>
+          </a:prstGeom>
+          <a:solidFill>
+            <a:srgbClr val="00B0F0"/>
+          </a:solidFill>
+          <a:ln>
+            <a:solidFill>
+              <a:srgbClr val="00B0F0"/>
+            </a:solidFill>
+          </a:ln>
+          <a:effectLst/>
+        </p:spPr>
+        <p:style>
+          <a:lnRef idx="1">
+            <a:schemeClr val="accent1"/>
+          </a:lnRef>
+          <a:fillRef idx="3">
+            <a:schemeClr val="accent1"/>
+          </a:fillRef>
+          <a:effectRef idx="2">
+            <a:schemeClr val="accent1"/>
+          </a:effectRef>
+          <a:fontRef idx="minor">
+            <a:schemeClr val="lt1"/>
+          </a:fontRef>
+        </p:style>
+        <p:txBody>
+          <a:bodyPr rtlCol="0" anchor="ctr"/>
+          <a:lstStyle/>
+          <a:p>
+            <a:pPr algn="ctr"/>
+            <a:endParaRPr lang="en-US"/>
+          </a:p>
+        </p:txBody>
+      </p:sp>
+      <p:sp>
+        <p:nvSpPr>
+          <p:cNvPr id="17" name="Oval 16"/>
+          <p:cNvSpPr/>
+          <p:nvPr/>
+        </p:nvSpPr>
+        <p:spPr>
+          <a:xfrm>
+            <a:off x="3733800" y="2590800"/>
+            <a:ext cx="91440" cy="91440"/>
+          </a:xfrm>
+          <a:prstGeom prst="ellipse">
+            <a:avLst/>
+          </a:prstGeom>
+          <a:solidFill>
+            <a:srgbClr val="00B0F0"/>
+          </a:solidFill>
+          <a:ln>
+            <a:solidFill>
+              <a:srgbClr val="00B0F0"/>
+            </a:solidFill>
+          </a:ln>
+          <a:effectLst/>
+        </p:spPr>
+        <p:style>
+          <a:lnRef idx="1">
+            <a:schemeClr val="accent1"/>
+          </a:lnRef>
+          <a:fillRef idx="3">
+            <a:schemeClr val="accent1"/>
+          </a:fillRef>
+          <a:effectRef idx="2">
+            <a:schemeClr val="accent1"/>
+          </a:effectRef>
+          <a:fontRef idx="minor">
+            <a:schemeClr val="lt1"/>
+          </a:fontRef>
+        </p:style>
+        <p:txBody>
+          <a:bodyPr rtlCol="0" anchor="ctr"/>
+          <a:lstStyle/>
+          <a:p>
+            <a:pPr algn="ctr"/>
+            <a:endParaRPr lang="en-US"/>
+          </a:p>
+        </p:txBody>
+      </p:sp>
+    </p:spTree>
+    <p:extLst>
+      <p:ext uri="{BB962C8B-B14F-4D97-AF65-F5344CB8AC3E}">
+        <p14:creationId xmlns:p14="http://schemas.microsoft.com/office/powerpoint/2010/main" xmlns="" val="861583048"/>
+      </p:ext>
+    </p:extLst>
+  </p:cSld>
+  <p:clrMapOvr>
+    <a:masterClrMapping/>
+  </p:clrMapOvr>
+</p:sld>
+</file>
+
+<file path=ppt/slides/slide12.xml><?xml version="1.0" encoding="utf-8"?>
+<p:sld xmlns:a="http://schemas.openxmlformats.org/drawingml/2006/main" xmlns:r="http://schemas.openxmlformats.org/officeDocument/2006/relationships" xmlns:p="http://schemas.openxmlformats.org/presentationml/2006/main">
+  <p:cSld>
+    <p:spTree>
+      <p:nvGrpSpPr>
+        <p:cNvPr id="1" name=""/>
+        <p:cNvGrpSpPr/>
+        <p:nvPr/>
+      </p:nvGrpSpPr>
+      <p:grpSpPr>
+        <a:xfrm>
+          <a:off x="0" y="0"/>
+          <a:ext cx="0" cy="0"/>
+          <a:chOff x="0" y="0"/>
+          <a:chExt cx="0" cy="0"/>
+        </a:xfrm>
+      </p:grpSpPr>
       <p:cxnSp>
         <p:nvCxnSpPr>
           <p:cNvPr id="24" name="Straight Arrow Connector 23"/>
@@ -3422,7 +4230,7 @@
 </p:sld>
 </file>
 
-<file path=ppt/slides/slide11.xml><?xml version="1.0" encoding="utf-8"?>
+<file path=ppt/slides/slide13.xml><?xml version="1.0" encoding="utf-8"?>
 <p:sld xmlns:a="http://schemas.openxmlformats.org/drawingml/2006/main" xmlns:r="http://schemas.openxmlformats.org/officeDocument/2006/relationships" xmlns:p="http://schemas.openxmlformats.org/presentationml/2006/main">
   <p:cSld>
     <p:spTree>
@@ -6129,6 +6937,1374 @@
       </p:grpSpPr>
       <p:grpSp>
         <p:nvGrpSpPr>
+          <p:cNvPr id="46" name="Group 45"/>
+          <p:cNvGrpSpPr/>
+          <p:nvPr/>
+        </p:nvGrpSpPr>
+        <p:grpSpPr>
+          <a:xfrm>
+            <a:off x="3276600" y="533400"/>
+            <a:ext cx="3960315" cy="3810000"/>
+            <a:chOff x="3276600" y="533400"/>
+            <a:chExt cx="3960315" cy="3810000"/>
+          </a:xfrm>
+        </p:grpSpPr>
+        <p:cxnSp>
+          <p:nvCxnSpPr>
+            <p:cNvPr id="24" name="Straight Arrow Connector 23"/>
+            <p:cNvCxnSpPr/>
+            <p:nvPr/>
+          </p:nvCxnSpPr>
+          <p:spPr>
+            <a:xfrm flipV="1">
+              <a:off x="4572000" y="609600"/>
+              <a:ext cx="0" cy="3733800"/>
+            </a:xfrm>
+            <a:prstGeom prst="straightConnector1">
+              <a:avLst/>
+            </a:prstGeom>
+            <a:ln w="19050">
+              <a:solidFill>
+                <a:schemeClr val="tx1"/>
+              </a:solidFill>
+              <a:tailEnd type="arrow"/>
+            </a:ln>
+          </p:spPr>
+          <p:style>
+            <a:lnRef idx="1">
+              <a:schemeClr val="accent1"/>
+            </a:lnRef>
+            <a:fillRef idx="0">
+              <a:schemeClr val="accent1"/>
+            </a:fillRef>
+            <a:effectRef idx="0">
+              <a:schemeClr val="accent1"/>
+            </a:effectRef>
+            <a:fontRef idx="minor">
+              <a:schemeClr val="tx1"/>
+            </a:fontRef>
+          </p:style>
+        </p:cxnSp>
+        <p:cxnSp>
+          <p:nvCxnSpPr>
+            <p:cNvPr id="25" name="Straight Arrow Connector 24"/>
+            <p:cNvCxnSpPr/>
+            <p:nvPr/>
+          </p:nvCxnSpPr>
+          <p:spPr>
+            <a:xfrm>
+              <a:off x="3511550" y="3429000"/>
+              <a:ext cx="3346450" cy="0"/>
+            </a:xfrm>
+            <a:prstGeom prst="straightConnector1">
+              <a:avLst/>
+            </a:prstGeom>
+            <a:ln w="19050">
+              <a:solidFill>
+                <a:srgbClr val="000000"/>
+              </a:solidFill>
+              <a:tailEnd type="arrow"/>
+            </a:ln>
+          </p:spPr>
+          <p:style>
+            <a:lnRef idx="1">
+              <a:schemeClr val="accent1"/>
+            </a:lnRef>
+            <a:fillRef idx="0">
+              <a:schemeClr val="accent1"/>
+            </a:fillRef>
+            <a:effectRef idx="0">
+              <a:schemeClr val="accent1"/>
+            </a:effectRef>
+            <a:fontRef idx="minor">
+              <a:schemeClr val="tx1"/>
+            </a:fontRef>
+          </p:style>
+        </p:cxnSp>
+        <p:sp>
+          <p:nvSpPr>
+            <p:cNvPr id="27" name="TextBox 26"/>
+            <p:cNvSpPr txBox="1"/>
+            <p:nvPr/>
+          </p:nvSpPr>
+          <p:spPr>
+            <a:xfrm>
+              <a:off x="4267200" y="533400"/>
+              <a:ext cx="289149" cy="369332"/>
+            </a:xfrm>
+            <a:prstGeom prst="rect">
+              <a:avLst/>
+            </a:prstGeom>
+            <a:noFill/>
+          </p:spPr>
+          <p:txBody>
+            <a:bodyPr wrap="none" rtlCol="0">
+              <a:spAutoFit/>
+            </a:bodyPr>
+            <a:lstStyle/>
+            <a:p>
+              <a:r>
+                <a:rPr lang="en-US" dirty="0" smtClean="0"/>
+                <a:t>y</a:t>
+              </a:r>
+              <a:endParaRPr lang="en-US" dirty="0"/>
+            </a:p>
+          </p:txBody>
+        </p:sp>
+        <p:sp>
+          <p:nvSpPr>
+            <p:cNvPr id="28" name="TextBox 27"/>
+            <p:cNvSpPr txBox="1"/>
+            <p:nvPr/>
+          </p:nvSpPr>
+          <p:spPr>
+            <a:xfrm>
+              <a:off x="6705600" y="3429000"/>
+              <a:ext cx="289149" cy="369332"/>
+            </a:xfrm>
+            <a:prstGeom prst="rect">
+              <a:avLst/>
+            </a:prstGeom>
+            <a:noFill/>
+          </p:spPr>
+          <p:txBody>
+            <a:bodyPr wrap="none" rtlCol="0">
+              <a:spAutoFit/>
+            </a:bodyPr>
+            <a:lstStyle/>
+            <a:p>
+              <a:r>
+                <a:rPr lang="en-US" dirty="0" smtClean="0"/>
+                <a:t>x</a:t>
+              </a:r>
+              <a:endParaRPr lang="en-US" dirty="0"/>
+            </a:p>
+          </p:txBody>
+        </p:sp>
+        <p:cxnSp>
+          <p:nvCxnSpPr>
+            <p:cNvPr id="11" name="Straight Connector 10"/>
+            <p:cNvCxnSpPr/>
+            <p:nvPr/>
+          </p:nvCxnSpPr>
+          <p:spPr>
+            <a:xfrm flipH="1">
+              <a:off x="4394200" y="1441450"/>
+              <a:ext cx="806450" cy="2559050"/>
+            </a:xfrm>
+            <a:prstGeom prst="line">
+              <a:avLst/>
+            </a:prstGeom>
+            <a:ln w="38100">
+              <a:solidFill>
+                <a:schemeClr val="accent5"/>
+              </a:solidFill>
+            </a:ln>
+          </p:spPr>
+          <p:style>
+            <a:lnRef idx="1">
+              <a:schemeClr val="accent1"/>
+            </a:lnRef>
+            <a:fillRef idx="0">
+              <a:schemeClr val="accent1"/>
+            </a:fillRef>
+            <a:effectRef idx="0">
+              <a:schemeClr val="accent1"/>
+            </a:effectRef>
+            <a:fontRef idx="minor">
+              <a:schemeClr val="tx1"/>
+            </a:fontRef>
+          </p:style>
+        </p:cxnSp>
+        <p:cxnSp>
+          <p:nvCxnSpPr>
+            <p:cNvPr id="15" name="Straight Connector 14"/>
+            <p:cNvCxnSpPr/>
+            <p:nvPr/>
+          </p:nvCxnSpPr>
+          <p:spPr>
+            <a:xfrm>
+              <a:off x="4191000" y="1219200"/>
+              <a:ext cx="2590800" cy="2590800"/>
+            </a:xfrm>
+            <a:prstGeom prst="line">
+              <a:avLst/>
+            </a:prstGeom>
+            <a:ln w="38100">
+              <a:solidFill>
+                <a:schemeClr val="accent5"/>
+              </a:solidFill>
+            </a:ln>
+          </p:spPr>
+          <p:style>
+            <a:lnRef idx="1">
+              <a:schemeClr val="accent1"/>
+            </a:lnRef>
+            <a:fillRef idx="0">
+              <a:schemeClr val="accent1"/>
+            </a:fillRef>
+            <a:effectRef idx="0">
+              <a:schemeClr val="accent1"/>
+            </a:effectRef>
+            <a:fontRef idx="minor">
+              <a:schemeClr val="tx1"/>
+            </a:fontRef>
+          </p:style>
+        </p:cxnSp>
+        <p:sp>
+          <p:nvSpPr>
+            <p:cNvPr id="17" name="TextBox 16"/>
+            <p:cNvSpPr txBox="1"/>
+            <p:nvPr/>
+          </p:nvSpPr>
+          <p:spPr>
+            <a:xfrm>
+              <a:off x="3276600" y="1143000"/>
+              <a:ext cx="947695" cy="369332"/>
+            </a:xfrm>
+            <a:prstGeom prst="rect">
+              <a:avLst/>
+            </a:prstGeom>
+            <a:noFill/>
+          </p:spPr>
+          <p:txBody>
+            <a:bodyPr wrap="none" rtlCol="0">
+              <a:spAutoFit/>
+            </a:bodyPr>
+            <a:lstStyle/>
+            <a:p>
+              <a:r>
+                <a:rPr lang="en-US" dirty="0" smtClean="0"/>
+                <a:t>x </a:t>
+              </a:r>
+              <a:r>
+                <a:rPr lang="en-US" dirty="0" smtClean="0"/>
+                <a:t>+ y = 2</a:t>
+              </a:r>
+              <a:endParaRPr lang="en-US" dirty="0"/>
+            </a:p>
+          </p:txBody>
+        </p:sp>
+        <p:sp>
+          <p:nvSpPr>
+            <p:cNvPr id="29" name="TextBox 28"/>
+            <p:cNvSpPr txBox="1"/>
+            <p:nvPr/>
+          </p:nvSpPr>
+          <p:spPr>
+            <a:xfrm>
+              <a:off x="5105400" y="1143000"/>
+              <a:ext cx="1064715" cy="369332"/>
+            </a:xfrm>
+            <a:prstGeom prst="rect">
+              <a:avLst/>
+            </a:prstGeom>
+            <a:noFill/>
+          </p:spPr>
+          <p:txBody>
+            <a:bodyPr wrap="none" rtlCol="0">
+              <a:spAutoFit/>
+            </a:bodyPr>
+            <a:lstStyle/>
+            <a:p>
+              <a:r>
+                <a:rPr lang="en-US" dirty="0" smtClean="0"/>
+                <a:t>2x </a:t>
+              </a:r>
+              <a:r>
+                <a:rPr lang="en-US" dirty="0" smtClean="0"/>
+                <a:t>– y = 0</a:t>
+              </a:r>
+              <a:endParaRPr lang="en-US" dirty="0"/>
+            </a:p>
+          </p:txBody>
+        </p:sp>
+        <p:cxnSp>
+          <p:nvCxnSpPr>
+            <p:cNvPr id="30" name="Straight Connector 29"/>
+            <p:cNvCxnSpPr/>
+            <p:nvPr/>
+          </p:nvCxnSpPr>
+          <p:spPr>
+            <a:xfrm flipV="1">
+              <a:off x="3994150" y="2667000"/>
+              <a:ext cx="2863850" cy="965200"/>
+            </a:xfrm>
+            <a:prstGeom prst="line">
+              <a:avLst/>
+            </a:prstGeom>
+            <a:ln w="38100">
+              <a:solidFill>
+                <a:schemeClr val="accent5"/>
+              </a:solidFill>
+            </a:ln>
+          </p:spPr>
+          <p:style>
+            <a:lnRef idx="1">
+              <a:schemeClr val="accent1"/>
+            </a:lnRef>
+            <a:fillRef idx="0">
+              <a:schemeClr val="accent1"/>
+            </a:fillRef>
+            <a:effectRef idx="0">
+              <a:schemeClr val="accent1"/>
+            </a:effectRef>
+            <a:fontRef idx="minor">
+              <a:schemeClr val="tx1"/>
+            </a:fontRef>
+          </p:style>
+        </p:cxnSp>
+        <p:sp>
+          <p:nvSpPr>
+            <p:cNvPr id="50" name="TextBox 49"/>
+            <p:cNvSpPr txBox="1"/>
+            <p:nvPr/>
+          </p:nvSpPr>
+          <p:spPr>
+            <a:xfrm>
+              <a:off x="6172200" y="2362200"/>
+              <a:ext cx="1064715" cy="369332"/>
+            </a:xfrm>
+            <a:prstGeom prst="rect">
+              <a:avLst/>
+            </a:prstGeom>
+            <a:noFill/>
+          </p:spPr>
+          <p:txBody>
+            <a:bodyPr wrap="none" rtlCol="0">
+              <a:spAutoFit/>
+            </a:bodyPr>
+            <a:lstStyle/>
+            <a:p>
+              <a:r>
+                <a:rPr lang="en-US" dirty="0" smtClean="0"/>
+                <a:t>x</a:t>
+              </a:r>
+              <a:r>
+                <a:rPr lang="en-US" dirty="0" smtClean="0"/>
+                <a:t> – </a:t>
+              </a:r>
+              <a:r>
+                <a:rPr lang="en-US" dirty="0" smtClean="0"/>
+                <a:t>2y </a:t>
+              </a:r>
+              <a:r>
+                <a:rPr lang="en-US" dirty="0" smtClean="0"/>
+                <a:t>= 0</a:t>
+              </a:r>
+              <a:endParaRPr lang="en-US" dirty="0"/>
+            </a:p>
+          </p:txBody>
+        </p:sp>
+        <p:sp>
+          <p:nvSpPr>
+            <p:cNvPr id="51" name="Oval 50"/>
+            <p:cNvSpPr/>
+            <p:nvPr/>
+          </p:nvSpPr>
+          <p:spPr>
+            <a:xfrm>
+              <a:off x="4953000" y="1993900"/>
+              <a:ext cx="112776" cy="112776"/>
+            </a:xfrm>
+            <a:prstGeom prst="ellipse">
+              <a:avLst/>
+            </a:prstGeom>
+            <a:solidFill>
+              <a:srgbClr val="FF0000"/>
+            </a:solidFill>
+            <a:ln>
+              <a:solidFill>
+                <a:srgbClr val="FF0000"/>
+              </a:solidFill>
+            </a:ln>
+            <a:effectLst/>
+          </p:spPr>
+          <p:style>
+            <a:lnRef idx="1">
+              <a:schemeClr val="accent1"/>
+            </a:lnRef>
+            <a:fillRef idx="3">
+              <a:schemeClr val="accent1"/>
+            </a:fillRef>
+            <a:effectRef idx="2">
+              <a:schemeClr val="accent1"/>
+            </a:effectRef>
+            <a:fontRef idx="minor">
+              <a:schemeClr val="lt1"/>
+            </a:fontRef>
+          </p:style>
+          <p:txBody>
+            <a:bodyPr rtlCol="0" anchor="ctr"/>
+            <a:lstStyle/>
+            <a:p>
+              <a:pPr algn="ctr"/>
+              <a:endParaRPr lang="en-US"/>
+            </a:p>
+          </p:txBody>
+        </p:sp>
+        <p:sp>
+          <p:nvSpPr>
+            <p:cNvPr id="52" name="Oval 51"/>
+            <p:cNvSpPr/>
+            <p:nvPr/>
+          </p:nvSpPr>
+          <p:spPr>
+            <a:xfrm>
+              <a:off x="4521200" y="3378200"/>
+              <a:ext cx="112776" cy="112776"/>
+            </a:xfrm>
+            <a:prstGeom prst="ellipse">
+              <a:avLst/>
+            </a:prstGeom>
+            <a:solidFill>
+              <a:srgbClr val="FF0000"/>
+            </a:solidFill>
+            <a:ln>
+              <a:solidFill>
+                <a:srgbClr val="FF0000"/>
+              </a:solidFill>
+            </a:ln>
+            <a:effectLst/>
+          </p:spPr>
+          <p:style>
+            <a:lnRef idx="1">
+              <a:schemeClr val="accent1"/>
+            </a:lnRef>
+            <a:fillRef idx="3">
+              <a:schemeClr val="accent1"/>
+            </a:fillRef>
+            <a:effectRef idx="2">
+              <a:schemeClr val="accent1"/>
+            </a:effectRef>
+            <a:fontRef idx="minor">
+              <a:schemeClr val="lt1"/>
+            </a:fontRef>
+          </p:style>
+          <p:txBody>
+            <a:bodyPr rtlCol="0" anchor="ctr"/>
+            <a:lstStyle/>
+            <a:p>
+              <a:pPr algn="ctr"/>
+              <a:endParaRPr lang="en-US"/>
+            </a:p>
+          </p:txBody>
+        </p:sp>
+        <p:sp>
+          <p:nvSpPr>
+            <p:cNvPr id="53" name="Oval 52"/>
+            <p:cNvSpPr/>
+            <p:nvPr/>
+          </p:nvSpPr>
+          <p:spPr>
+            <a:xfrm>
+              <a:off x="5880100" y="2914650"/>
+              <a:ext cx="112776" cy="112776"/>
+            </a:xfrm>
+            <a:prstGeom prst="ellipse">
+              <a:avLst/>
+            </a:prstGeom>
+            <a:solidFill>
+              <a:srgbClr val="FF0000"/>
+            </a:solidFill>
+            <a:ln>
+              <a:solidFill>
+                <a:srgbClr val="FF0000"/>
+              </a:solidFill>
+            </a:ln>
+            <a:effectLst/>
+          </p:spPr>
+          <p:style>
+            <a:lnRef idx="1">
+              <a:schemeClr val="accent1"/>
+            </a:lnRef>
+            <a:fillRef idx="3">
+              <a:schemeClr val="accent1"/>
+            </a:fillRef>
+            <a:effectRef idx="2">
+              <a:schemeClr val="accent1"/>
+            </a:effectRef>
+            <a:fontRef idx="minor">
+              <a:schemeClr val="lt1"/>
+            </a:fontRef>
+          </p:style>
+          <p:txBody>
+            <a:bodyPr rtlCol="0" anchor="ctr"/>
+            <a:lstStyle/>
+            <a:p>
+              <a:pPr algn="ctr"/>
+              <a:endParaRPr lang="en-US"/>
+            </a:p>
+          </p:txBody>
+        </p:sp>
+        <p:sp>
+          <p:nvSpPr>
+            <p:cNvPr id="83" name="TextBox 82"/>
+            <p:cNvSpPr txBox="1"/>
+            <p:nvPr/>
+          </p:nvSpPr>
+          <p:spPr>
+            <a:xfrm>
+              <a:off x="5060950" y="1784350"/>
+              <a:ext cx="317716" cy="369332"/>
+            </a:xfrm>
+            <a:prstGeom prst="rect">
+              <a:avLst/>
+            </a:prstGeom>
+            <a:noFill/>
+          </p:spPr>
+          <p:txBody>
+            <a:bodyPr wrap="none" rtlCol="0">
+              <a:spAutoFit/>
+            </a:bodyPr>
+            <a:lstStyle/>
+            <a:p>
+              <a:r>
+                <a:rPr lang="en-US" dirty="0" smtClean="0"/>
+                <a:t>A</a:t>
+              </a:r>
+              <a:endParaRPr lang="en-US" dirty="0"/>
+            </a:p>
+          </p:txBody>
+        </p:sp>
+        <p:sp>
+          <p:nvSpPr>
+            <p:cNvPr id="84" name="TextBox 83"/>
+            <p:cNvSpPr txBox="1"/>
+            <p:nvPr/>
+          </p:nvSpPr>
+          <p:spPr>
+            <a:xfrm>
+              <a:off x="4572000" y="3429000"/>
+              <a:ext cx="309700" cy="369332"/>
+            </a:xfrm>
+            <a:prstGeom prst="rect">
+              <a:avLst/>
+            </a:prstGeom>
+            <a:noFill/>
+          </p:spPr>
+          <p:txBody>
+            <a:bodyPr wrap="none" rtlCol="0">
+              <a:spAutoFit/>
+            </a:bodyPr>
+            <a:lstStyle/>
+            <a:p>
+              <a:r>
+                <a:rPr lang="en-US" dirty="0" smtClean="0"/>
+                <a:t>B</a:t>
+              </a:r>
+              <a:endParaRPr lang="en-US" dirty="0"/>
+            </a:p>
+          </p:txBody>
+        </p:sp>
+        <p:sp>
+          <p:nvSpPr>
+            <p:cNvPr id="85" name="TextBox 84"/>
+            <p:cNvSpPr txBox="1"/>
+            <p:nvPr/>
+          </p:nvSpPr>
+          <p:spPr>
+            <a:xfrm>
+              <a:off x="5715000" y="2971800"/>
+              <a:ext cx="308098" cy="369332"/>
+            </a:xfrm>
+            <a:prstGeom prst="rect">
+              <a:avLst/>
+            </a:prstGeom>
+            <a:noFill/>
+          </p:spPr>
+          <p:txBody>
+            <a:bodyPr wrap="none" rtlCol="0">
+              <a:spAutoFit/>
+            </a:bodyPr>
+            <a:lstStyle/>
+            <a:p>
+              <a:r>
+                <a:rPr lang="en-US" dirty="0" smtClean="0"/>
+                <a:t>C</a:t>
+              </a:r>
+              <a:endParaRPr lang="en-US" dirty="0"/>
+            </a:p>
+          </p:txBody>
+        </p:sp>
+        <p:sp>
+          <p:nvSpPr>
+            <p:cNvPr id="18" name="Oval 17"/>
+            <p:cNvSpPr/>
+            <p:nvPr/>
+          </p:nvSpPr>
+          <p:spPr>
+            <a:xfrm>
+              <a:off x="5145881" y="2728913"/>
+              <a:ext cx="112776" cy="112776"/>
+            </a:xfrm>
+            <a:prstGeom prst="ellipse">
+              <a:avLst/>
+            </a:prstGeom>
+            <a:solidFill>
+              <a:srgbClr val="00B050"/>
+            </a:solidFill>
+            <a:ln>
+              <a:solidFill>
+                <a:srgbClr val="00B050"/>
+              </a:solidFill>
+            </a:ln>
+            <a:effectLst/>
+          </p:spPr>
+          <p:style>
+            <a:lnRef idx="1">
+              <a:schemeClr val="accent1"/>
+            </a:lnRef>
+            <a:fillRef idx="3">
+              <a:schemeClr val="accent1"/>
+            </a:fillRef>
+            <a:effectRef idx="2">
+              <a:schemeClr val="accent1"/>
+            </a:effectRef>
+            <a:fontRef idx="minor">
+              <a:schemeClr val="lt1"/>
+            </a:fontRef>
+          </p:style>
+          <p:txBody>
+            <a:bodyPr rtlCol="0" anchor="ctr"/>
+            <a:lstStyle/>
+            <a:p>
+              <a:pPr algn="ctr"/>
+              <a:endParaRPr lang="en-US"/>
+            </a:p>
+          </p:txBody>
+        </p:sp>
+        <p:cxnSp>
+          <p:nvCxnSpPr>
+            <p:cNvPr id="22" name="Straight Connector 21"/>
+            <p:cNvCxnSpPr/>
+            <p:nvPr/>
+          </p:nvCxnSpPr>
+          <p:spPr>
+            <a:xfrm>
+              <a:off x="5029200" y="2105025"/>
+              <a:ext cx="157163" cy="623888"/>
+            </a:xfrm>
+            <a:prstGeom prst="line">
+              <a:avLst/>
+            </a:prstGeom>
+          </p:spPr>
+          <p:style>
+            <a:lnRef idx="1">
+              <a:schemeClr val="accent1"/>
+            </a:lnRef>
+            <a:fillRef idx="0">
+              <a:schemeClr val="accent1"/>
+            </a:fillRef>
+            <a:effectRef idx="0">
+              <a:schemeClr val="accent1"/>
+            </a:effectRef>
+            <a:fontRef idx="minor">
+              <a:schemeClr val="tx1"/>
+            </a:fontRef>
+          </p:style>
+        </p:cxnSp>
+        <p:cxnSp>
+          <p:nvCxnSpPr>
+            <p:cNvPr id="35" name="Straight Connector 34"/>
+            <p:cNvCxnSpPr/>
+            <p:nvPr/>
+          </p:nvCxnSpPr>
+          <p:spPr>
+            <a:xfrm flipV="1">
+              <a:off x="4617244" y="2828925"/>
+              <a:ext cx="550069" cy="564357"/>
+            </a:xfrm>
+            <a:prstGeom prst="line">
+              <a:avLst/>
+            </a:prstGeom>
+          </p:spPr>
+          <p:style>
+            <a:lnRef idx="1">
+              <a:schemeClr val="accent1"/>
+            </a:lnRef>
+            <a:fillRef idx="0">
+              <a:schemeClr val="accent1"/>
+            </a:fillRef>
+            <a:effectRef idx="0">
+              <a:schemeClr val="accent1"/>
+            </a:effectRef>
+            <a:fontRef idx="minor">
+              <a:schemeClr val="tx1"/>
+            </a:fontRef>
+          </p:style>
+        </p:cxnSp>
+        <p:cxnSp>
+          <p:nvCxnSpPr>
+            <p:cNvPr id="42" name="Straight Connector 41"/>
+            <p:cNvCxnSpPr/>
+            <p:nvPr/>
+          </p:nvCxnSpPr>
+          <p:spPr>
+            <a:xfrm flipH="1" flipV="1">
+              <a:off x="5260181" y="2800350"/>
+              <a:ext cx="619126" cy="154781"/>
+            </a:xfrm>
+            <a:prstGeom prst="line">
+              <a:avLst/>
+            </a:prstGeom>
+          </p:spPr>
+          <p:style>
+            <a:lnRef idx="1">
+              <a:schemeClr val="accent1"/>
+            </a:lnRef>
+            <a:fillRef idx="0">
+              <a:schemeClr val="accent1"/>
+            </a:fillRef>
+            <a:effectRef idx="0">
+              <a:schemeClr val="accent1"/>
+            </a:effectRef>
+            <a:fontRef idx="minor">
+              <a:schemeClr val="tx1"/>
+            </a:fontRef>
+          </p:style>
+        </p:cxnSp>
+      </p:grpSp>
+    </p:spTree>
+    <p:extLst>
+      <p:ext uri="{BB962C8B-B14F-4D97-AF65-F5344CB8AC3E}">
+        <p14:creationId xmlns:p14="http://schemas.microsoft.com/office/powerpoint/2010/main" xmlns="" val="861583048"/>
+      </p:ext>
+    </p:extLst>
+  </p:cSld>
+  <p:clrMapOvr>
+    <a:masterClrMapping/>
+  </p:clrMapOvr>
+</p:sld>
+</file>
+
+<file path=ppt/slides/slide8.xml><?xml version="1.0" encoding="utf-8"?>
+<p:sld xmlns:a="http://schemas.openxmlformats.org/drawingml/2006/main" xmlns:r="http://schemas.openxmlformats.org/officeDocument/2006/relationships" xmlns:p="http://schemas.openxmlformats.org/presentationml/2006/main">
+  <p:cSld>
+    <p:spTree>
+      <p:nvGrpSpPr>
+        <p:cNvPr id="1" name=""/>
+        <p:cNvGrpSpPr/>
+        <p:nvPr/>
+      </p:nvGrpSpPr>
+      <p:grpSpPr>
+        <a:xfrm>
+          <a:off x="0" y="0"/>
+          <a:ext cx="0" cy="0"/>
+          <a:chOff x="0" y="0"/>
+          <a:chExt cx="0" cy="0"/>
+        </a:xfrm>
+      </p:grpSpPr>
+      <p:cxnSp>
+        <p:nvCxnSpPr>
+          <p:cNvPr id="24" name="Straight Arrow Connector 23"/>
+          <p:cNvCxnSpPr/>
+          <p:nvPr/>
+        </p:nvCxnSpPr>
+        <p:spPr>
+          <a:xfrm flipV="1">
+            <a:off x="4572000" y="609600"/>
+            <a:ext cx="0" cy="3733800"/>
+          </a:xfrm>
+          <a:prstGeom prst="straightConnector1">
+            <a:avLst/>
+          </a:prstGeom>
+          <a:ln w="19050">
+            <a:solidFill>
+              <a:schemeClr val="tx1"/>
+            </a:solidFill>
+            <a:tailEnd type="arrow"/>
+          </a:ln>
+        </p:spPr>
+        <p:style>
+          <a:lnRef idx="1">
+            <a:schemeClr val="accent1"/>
+          </a:lnRef>
+          <a:fillRef idx="0">
+            <a:schemeClr val="accent1"/>
+          </a:fillRef>
+          <a:effectRef idx="0">
+            <a:schemeClr val="accent1"/>
+          </a:effectRef>
+          <a:fontRef idx="minor">
+            <a:schemeClr val="tx1"/>
+          </a:fontRef>
+        </p:style>
+      </p:cxnSp>
+      <p:cxnSp>
+        <p:nvCxnSpPr>
+          <p:cNvPr id="25" name="Straight Arrow Connector 24"/>
+          <p:cNvCxnSpPr/>
+          <p:nvPr/>
+        </p:nvCxnSpPr>
+        <p:spPr>
+          <a:xfrm>
+            <a:off x="3511550" y="3429000"/>
+            <a:ext cx="3346450" cy="0"/>
+          </a:xfrm>
+          <a:prstGeom prst="straightConnector1">
+            <a:avLst/>
+          </a:prstGeom>
+          <a:ln w="19050">
+            <a:solidFill>
+              <a:srgbClr val="000000"/>
+            </a:solidFill>
+            <a:tailEnd type="arrow"/>
+          </a:ln>
+        </p:spPr>
+        <p:style>
+          <a:lnRef idx="1">
+            <a:schemeClr val="accent1"/>
+          </a:lnRef>
+          <a:fillRef idx="0">
+            <a:schemeClr val="accent1"/>
+          </a:fillRef>
+          <a:effectRef idx="0">
+            <a:schemeClr val="accent1"/>
+          </a:effectRef>
+          <a:fontRef idx="minor">
+            <a:schemeClr val="tx1"/>
+          </a:fontRef>
+        </p:style>
+      </p:cxnSp>
+      <p:sp>
+        <p:nvSpPr>
+          <p:cNvPr id="27" name="TextBox 26"/>
+          <p:cNvSpPr txBox="1"/>
+          <p:nvPr/>
+        </p:nvSpPr>
+        <p:spPr>
+          <a:xfrm>
+            <a:off x="4267200" y="533400"/>
+            <a:ext cx="289149" cy="369332"/>
+          </a:xfrm>
+          <a:prstGeom prst="rect">
+            <a:avLst/>
+          </a:prstGeom>
+          <a:noFill/>
+        </p:spPr>
+        <p:txBody>
+          <a:bodyPr wrap="none" rtlCol="0">
+            <a:spAutoFit/>
+          </a:bodyPr>
+          <a:lstStyle/>
+          <a:p>
+            <a:r>
+              <a:rPr lang="en-US" dirty="0" smtClean="0"/>
+              <a:t>y</a:t>
+            </a:r>
+            <a:endParaRPr lang="en-US" dirty="0"/>
+          </a:p>
+        </p:txBody>
+      </p:sp>
+      <p:sp>
+        <p:nvSpPr>
+          <p:cNvPr id="28" name="TextBox 27"/>
+          <p:cNvSpPr txBox="1"/>
+          <p:nvPr/>
+        </p:nvSpPr>
+        <p:spPr>
+          <a:xfrm>
+            <a:off x="6705600" y="3429000"/>
+            <a:ext cx="289149" cy="369332"/>
+          </a:xfrm>
+          <a:prstGeom prst="rect">
+            <a:avLst/>
+          </a:prstGeom>
+          <a:noFill/>
+        </p:spPr>
+        <p:txBody>
+          <a:bodyPr wrap="none" rtlCol="0">
+            <a:spAutoFit/>
+          </a:bodyPr>
+          <a:lstStyle/>
+          <a:p>
+            <a:r>
+              <a:rPr lang="en-US" dirty="0" smtClean="0"/>
+              <a:t>x</a:t>
+            </a:r>
+            <a:endParaRPr lang="en-US" dirty="0"/>
+          </a:p>
+        </p:txBody>
+      </p:sp>
+      <p:cxnSp>
+        <p:nvCxnSpPr>
+          <p:cNvPr id="11" name="Straight Connector 10"/>
+          <p:cNvCxnSpPr/>
+          <p:nvPr/>
+        </p:nvCxnSpPr>
+        <p:spPr>
+          <a:xfrm flipH="1">
+            <a:off x="4394200" y="1441450"/>
+            <a:ext cx="806450" cy="2559050"/>
+          </a:xfrm>
+          <a:prstGeom prst="line">
+            <a:avLst/>
+          </a:prstGeom>
+          <a:ln w="38100">
+            <a:solidFill>
+              <a:schemeClr val="accent5"/>
+            </a:solidFill>
+          </a:ln>
+        </p:spPr>
+        <p:style>
+          <a:lnRef idx="1">
+            <a:schemeClr val="accent1"/>
+          </a:lnRef>
+          <a:fillRef idx="0">
+            <a:schemeClr val="accent1"/>
+          </a:fillRef>
+          <a:effectRef idx="0">
+            <a:schemeClr val="accent1"/>
+          </a:effectRef>
+          <a:fontRef idx="minor">
+            <a:schemeClr val="tx1"/>
+          </a:fontRef>
+        </p:style>
+      </p:cxnSp>
+      <p:cxnSp>
+        <p:nvCxnSpPr>
+          <p:cNvPr id="15" name="Straight Connector 14"/>
+          <p:cNvCxnSpPr/>
+          <p:nvPr/>
+        </p:nvCxnSpPr>
+        <p:spPr>
+          <a:xfrm>
+            <a:off x="4191000" y="1219200"/>
+            <a:ext cx="2590800" cy="2590800"/>
+          </a:xfrm>
+          <a:prstGeom prst="line">
+            <a:avLst/>
+          </a:prstGeom>
+          <a:ln w="38100">
+            <a:solidFill>
+              <a:schemeClr val="accent5"/>
+            </a:solidFill>
+          </a:ln>
+        </p:spPr>
+        <p:style>
+          <a:lnRef idx="1">
+            <a:schemeClr val="accent1"/>
+          </a:lnRef>
+          <a:fillRef idx="0">
+            <a:schemeClr val="accent1"/>
+          </a:fillRef>
+          <a:effectRef idx="0">
+            <a:schemeClr val="accent1"/>
+          </a:effectRef>
+          <a:fontRef idx="minor">
+            <a:schemeClr val="tx1"/>
+          </a:fontRef>
+        </p:style>
+      </p:cxnSp>
+      <p:sp>
+        <p:nvSpPr>
+          <p:cNvPr id="17" name="TextBox 16"/>
+          <p:cNvSpPr txBox="1"/>
+          <p:nvPr/>
+        </p:nvSpPr>
+        <p:spPr>
+          <a:xfrm>
+            <a:off x="3276600" y="1143000"/>
+            <a:ext cx="947695" cy="369332"/>
+          </a:xfrm>
+          <a:prstGeom prst="rect">
+            <a:avLst/>
+          </a:prstGeom>
+          <a:noFill/>
+        </p:spPr>
+        <p:txBody>
+          <a:bodyPr wrap="none" rtlCol="0">
+            <a:spAutoFit/>
+          </a:bodyPr>
+          <a:lstStyle/>
+          <a:p>
+            <a:r>
+              <a:rPr lang="en-US" dirty="0" smtClean="0"/>
+              <a:t>x </a:t>
+            </a:r>
+            <a:r>
+              <a:rPr lang="en-US" dirty="0" smtClean="0"/>
+              <a:t>+ y = 2</a:t>
+            </a:r>
+            <a:endParaRPr lang="en-US" dirty="0"/>
+          </a:p>
+        </p:txBody>
+      </p:sp>
+      <p:sp>
+        <p:nvSpPr>
+          <p:cNvPr id="29" name="TextBox 28"/>
+          <p:cNvSpPr txBox="1"/>
+          <p:nvPr/>
+        </p:nvSpPr>
+        <p:spPr>
+          <a:xfrm>
+            <a:off x="5105400" y="1143000"/>
+            <a:ext cx="1064715" cy="369332"/>
+          </a:xfrm>
+          <a:prstGeom prst="rect">
+            <a:avLst/>
+          </a:prstGeom>
+          <a:noFill/>
+        </p:spPr>
+        <p:txBody>
+          <a:bodyPr wrap="none" rtlCol="0">
+            <a:spAutoFit/>
+          </a:bodyPr>
+          <a:lstStyle/>
+          <a:p>
+            <a:r>
+              <a:rPr lang="en-US" dirty="0" smtClean="0"/>
+              <a:t>2x </a:t>
+            </a:r>
+            <a:r>
+              <a:rPr lang="en-US" dirty="0" smtClean="0"/>
+              <a:t>– y = 0</a:t>
+            </a:r>
+            <a:endParaRPr lang="en-US" dirty="0"/>
+          </a:p>
+        </p:txBody>
+      </p:sp>
+      <p:cxnSp>
+        <p:nvCxnSpPr>
+          <p:cNvPr id="30" name="Straight Connector 29"/>
+          <p:cNvCxnSpPr/>
+          <p:nvPr/>
+        </p:nvCxnSpPr>
+        <p:spPr>
+          <a:xfrm flipV="1">
+            <a:off x="3994150" y="2667000"/>
+            <a:ext cx="2863850" cy="965200"/>
+          </a:xfrm>
+          <a:prstGeom prst="line">
+            <a:avLst/>
+          </a:prstGeom>
+          <a:ln w="38100">
+            <a:solidFill>
+              <a:schemeClr val="accent5"/>
+            </a:solidFill>
+          </a:ln>
+        </p:spPr>
+        <p:style>
+          <a:lnRef idx="1">
+            <a:schemeClr val="accent1"/>
+          </a:lnRef>
+          <a:fillRef idx="0">
+            <a:schemeClr val="accent1"/>
+          </a:fillRef>
+          <a:effectRef idx="0">
+            <a:schemeClr val="accent1"/>
+          </a:effectRef>
+          <a:fontRef idx="minor">
+            <a:schemeClr val="tx1"/>
+          </a:fontRef>
+        </p:style>
+      </p:cxnSp>
+      <p:sp>
+        <p:nvSpPr>
+          <p:cNvPr id="50" name="TextBox 49"/>
+          <p:cNvSpPr txBox="1"/>
+          <p:nvPr/>
+        </p:nvSpPr>
+        <p:spPr>
+          <a:xfrm>
+            <a:off x="6172200" y="2362200"/>
+            <a:ext cx="1064715" cy="369332"/>
+          </a:xfrm>
+          <a:prstGeom prst="rect">
+            <a:avLst/>
+          </a:prstGeom>
+          <a:noFill/>
+        </p:spPr>
+        <p:txBody>
+          <a:bodyPr wrap="none" rtlCol="0">
+            <a:spAutoFit/>
+          </a:bodyPr>
+          <a:lstStyle/>
+          <a:p>
+            <a:r>
+              <a:rPr lang="en-US" dirty="0" smtClean="0"/>
+              <a:t>x</a:t>
+            </a:r>
+            <a:r>
+              <a:rPr lang="en-US" dirty="0" smtClean="0"/>
+              <a:t> – </a:t>
+            </a:r>
+            <a:r>
+              <a:rPr lang="en-US" dirty="0" smtClean="0"/>
+              <a:t>2y </a:t>
+            </a:r>
+            <a:r>
+              <a:rPr lang="en-US" dirty="0" smtClean="0"/>
+              <a:t>= 0</a:t>
+            </a:r>
+            <a:endParaRPr lang="en-US" dirty="0"/>
+          </a:p>
+        </p:txBody>
+      </p:sp>
+      <p:sp>
+        <p:nvSpPr>
+          <p:cNvPr id="51" name="Oval 50"/>
+          <p:cNvSpPr/>
+          <p:nvPr/>
+        </p:nvSpPr>
+        <p:spPr>
+          <a:xfrm>
+            <a:off x="4953000" y="1993900"/>
+            <a:ext cx="112776" cy="112776"/>
+          </a:xfrm>
+          <a:prstGeom prst="ellipse">
+            <a:avLst/>
+          </a:prstGeom>
+          <a:solidFill>
+            <a:srgbClr val="FF0000"/>
+          </a:solidFill>
+          <a:ln>
+            <a:solidFill>
+              <a:srgbClr val="FF0000"/>
+            </a:solidFill>
+          </a:ln>
+          <a:effectLst/>
+        </p:spPr>
+        <p:style>
+          <a:lnRef idx="1">
+            <a:schemeClr val="accent1"/>
+          </a:lnRef>
+          <a:fillRef idx="3">
+            <a:schemeClr val="accent1"/>
+          </a:fillRef>
+          <a:effectRef idx="2">
+            <a:schemeClr val="accent1"/>
+          </a:effectRef>
+          <a:fontRef idx="minor">
+            <a:schemeClr val="lt1"/>
+          </a:fontRef>
+        </p:style>
+        <p:txBody>
+          <a:bodyPr rtlCol="0" anchor="ctr"/>
+          <a:lstStyle/>
+          <a:p>
+            <a:pPr algn="ctr"/>
+            <a:endParaRPr lang="en-US"/>
+          </a:p>
+        </p:txBody>
+      </p:sp>
+      <p:sp>
+        <p:nvSpPr>
+          <p:cNvPr id="52" name="Oval 51"/>
+          <p:cNvSpPr/>
+          <p:nvPr/>
+        </p:nvSpPr>
+        <p:spPr>
+          <a:xfrm>
+            <a:off x="4521200" y="3378200"/>
+            <a:ext cx="112776" cy="112776"/>
+          </a:xfrm>
+          <a:prstGeom prst="ellipse">
+            <a:avLst/>
+          </a:prstGeom>
+          <a:solidFill>
+            <a:srgbClr val="FF0000"/>
+          </a:solidFill>
+          <a:ln>
+            <a:solidFill>
+              <a:srgbClr val="FF0000"/>
+            </a:solidFill>
+          </a:ln>
+          <a:effectLst/>
+        </p:spPr>
+        <p:style>
+          <a:lnRef idx="1">
+            <a:schemeClr val="accent1"/>
+          </a:lnRef>
+          <a:fillRef idx="3">
+            <a:schemeClr val="accent1"/>
+          </a:fillRef>
+          <a:effectRef idx="2">
+            <a:schemeClr val="accent1"/>
+          </a:effectRef>
+          <a:fontRef idx="minor">
+            <a:schemeClr val="lt1"/>
+          </a:fontRef>
+        </p:style>
+        <p:txBody>
+          <a:bodyPr rtlCol="0" anchor="ctr"/>
+          <a:lstStyle/>
+          <a:p>
+            <a:pPr algn="ctr"/>
+            <a:endParaRPr lang="en-US"/>
+          </a:p>
+        </p:txBody>
+      </p:sp>
+      <p:sp>
+        <p:nvSpPr>
+          <p:cNvPr id="53" name="Oval 52"/>
+          <p:cNvSpPr/>
+          <p:nvPr/>
+        </p:nvSpPr>
+        <p:spPr>
+          <a:xfrm>
+            <a:off x="5880100" y="2914650"/>
+            <a:ext cx="112776" cy="112776"/>
+          </a:xfrm>
+          <a:prstGeom prst="ellipse">
+            <a:avLst/>
+          </a:prstGeom>
+          <a:solidFill>
+            <a:srgbClr val="FF0000"/>
+          </a:solidFill>
+          <a:ln>
+            <a:solidFill>
+              <a:srgbClr val="FF0000"/>
+            </a:solidFill>
+          </a:ln>
+          <a:effectLst/>
+        </p:spPr>
+        <p:style>
+          <a:lnRef idx="1">
+            <a:schemeClr val="accent1"/>
+          </a:lnRef>
+          <a:fillRef idx="3">
+            <a:schemeClr val="accent1"/>
+          </a:fillRef>
+          <a:effectRef idx="2">
+            <a:schemeClr val="accent1"/>
+          </a:effectRef>
+          <a:fontRef idx="minor">
+            <a:schemeClr val="lt1"/>
+          </a:fontRef>
+        </p:style>
+        <p:txBody>
+          <a:bodyPr rtlCol="0" anchor="ctr"/>
+          <a:lstStyle/>
+          <a:p>
+            <a:pPr algn="ctr"/>
+            <a:endParaRPr lang="en-US"/>
+          </a:p>
+        </p:txBody>
+      </p:sp>
+      <p:sp>
+        <p:nvSpPr>
+          <p:cNvPr id="83" name="TextBox 82"/>
+          <p:cNvSpPr txBox="1"/>
+          <p:nvPr/>
+        </p:nvSpPr>
+        <p:spPr>
+          <a:xfrm>
+            <a:off x="5060950" y="1784350"/>
+            <a:ext cx="317716" cy="369332"/>
+          </a:xfrm>
+          <a:prstGeom prst="rect">
+            <a:avLst/>
+          </a:prstGeom>
+          <a:noFill/>
+        </p:spPr>
+        <p:txBody>
+          <a:bodyPr wrap="none" rtlCol="0">
+            <a:spAutoFit/>
+          </a:bodyPr>
+          <a:lstStyle/>
+          <a:p>
+            <a:r>
+              <a:rPr lang="en-US" dirty="0" smtClean="0"/>
+              <a:t>A</a:t>
+            </a:r>
+            <a:endParaRPr lang="en-US" dirty="0"/>
+          </a:p>
+        </p:txBody>
+      </p:sp>
+      <p:sp>
+        <p:nvSpPr>
+          <p:cNvPr id="84" name="TextBox 83"/>
+          <p:cNvSpPr txBox="1"/>
+          <p:nvPr/>
+        </p:nvSpPr>
+        <p:spPr>
+          <a:xfrm>
+            <a:off x="4572000" y="3429000"/>
+            <a:ext cx="309700" cy="369332"/>
+          </a:xfrm>
+          <a:prstGeom prst="rect">
+            <a:avLst/>
+          </a:prstGeom>
+          <a:noFill/>
+        </p:spPr>
+        <p:txBody>
+          <a:bodyPr wrap="none" rtlCol="0">
+            <a:spAutoFit/>
+          </a:bodyPr>
+          <a:lstStyle/>
+          <a:p>
+            <a:r>
+              <a:rPr lang="en-US" dirty="0" smtClean="0"/>
+              <a:t>B</a:t>
+            </a:r>
+            <a:endParaRPr lang="en-US" dirty="0"/>
+          </a:p>
+        </p:txBody>
+      </p:sp>
+      <p:sp>
+        <p:nvSpPr>
+          <p:cNvPr id="85" name="TextBox 84"/>
+          <p:cNvSpPr txBox="1"/>
+          <p:nvPr/>
+        </p:nvSpPr>
+        <p:spPr>
+          <a:xfrm>
+            <a:off x="5715000" y="2971800"/>
+            <a:ext cx="308098" cy="369332"/>
+          </a:xfrm>
+          <a:prstGeom prst="rect">
+            <a:avLst/>
+          </a:prstGeom>
+          <a:noFill/>
+        </p:spPr>
+        <p:txBody>
+          <a:bodyPr wrap="none" rtlCol="0">
+            <a:spAutoFit/>
+          </a:bodyPr>
+          <a:lstStyle/>
+          <a:p>
+            <a:r>
+              <a:rPr lang="en-US" dirty="0" smtClean="0"/>
+              <a:t>C</a:t>
+            </a:r>
+            <a:endParaRPr lang="en-US" dirty="0"/>
+          </a:p>
+        </p:txBody>
+      </p:sp>
+    </p:spTree>
+    <p:extLst>
+      <p:ext uri="{BB962C8B-B14F-4D97-AF65-F5344CB8AC3E}">
+        <p14:creationId xmlns:p14="http://schemas.microsoft.com/office/powerpoint/2010/main" xmlns="" val="861583048"/>
+      </p:ext>
+    </p:extLst>
+  </p:cSld>
+  <p:clrMapOvr>
+    <a:masterClrMapping/>
+  </p:clrMapOvr>
+</p:sld>
+</file>
+
+<file path=ppt/slides/slide9.xml><?xml version="1.0" encoding="utf-8"?>
+<p:sld xmlns:a="http://schemas.openxmlformats.org/drawingml/2006/main" xmlns:r="http://schemas.openxmlformats.org/officeDocument/2006/relationships" xmlns:p="http://schemas.openxmlformats.org/presentationml/2006/main">
+  <p:cSld>
+    <p:spTree>
+      <p:nvGrpSpPr>
+        <p:cNvPr id="1" name=""/>
+        <p:cNvGrpSpPr/>
+        <p:nvPr/>
+      </p:nvGrpSpPr>
+      <p:grpSpPr>
+        <a:xfrm>
+          <a:off x="0" y="0"/>
+          <a:ext cx="0" cy="0"/>
+          <a:chOff x="0" y="0"/>
+          <a:chExt cx="0" cy="0"/>
+        </a:xfrm>
+      </p:grpSpPr>
+      <p:grpSp>
+        <p:nvGrpSpPr>
           <p:cNvPr id="10" name="Group 9"/>
           <p:cNvGrpSpPr/>
           <p:nvPr/>
@@ -6355,812 +8531,6 @@
           </p:txBody>
         </p:sp>
       </p:grpSp>
-    </p:spTree>
-    <p:extLst>
-      <p:ext uri="{BB962C8B-B14F-4D97-AF65-F5344CB8AC3E}">
-        <p14:creationId xmlns:p14="http://schemas.microsoft.com/office/powerpoint/2010/main" xmlns="" val="861583048"/>
-      </p:ext>
-    </p:extLst>
-  </p:cSld>
-  <p:clrMapOvr>
-    <a:masterClrMapping/>
-  </p:clrMapOvr>
-</p:sld>
-</file>
-
-<file path=ppt/slides/slide8.xml><?xml version="1.0" encoding="utf-8"?>
-<p:sld xmlns:a="http://schemas.openxmlformats.org/drawingml/2006/main" xmlns:r="http://schemas.openxmlformats.org/officeDocument/2006/relationships" xmlns:p="http://schemas.openxmlformats.org/presentationml/2006/main">
-  <p:cSld>
-    <p:spTree>
-      <p:nvGrpSpPr>
-        <p:cNvPr id="1" name=""/>
-        <p:cNvGrpSpPr/>
-        <p:nvPr/>
-      </p:nvGrpSpPr>
-      <p:grpSpPr>
-        <a:xfrm>
-          <a:off x="0" y="0"/>
-          <a:ext cx="0" cy="0"/>
-          <a:chOff x="0" y="0"/>
-          <a:chExt cx="0" cy="0"/>
-        </a:xfrm>
-      </p:grpSpPr>
-      <p:grpSp>
-        <p:nvGrpSpPr>
-          <p:cNvPr id="2" name="Group 9"/>
-          <p:cNvGrpSpPr/>
-          <p:nvPr/>
-        </p:nvGrpSpPr>
-        <p:grpSpPr>
-          <a:xfrm>
-            <a:off x="2743200" y="609600"/>
-            <a:ext cx="4114800" cy="3657600"/>
-            <a:chOff x="2743200" y="609600"/>
-            <a:chExt cx="4114800" cy="3657600"/>
-          </a:xfrm>
-        </p:grpSpPr>
-        <p:cxnSp>
-          <p:nvCxnSpPr>
-            <p:cNvPr id="24" name="Straight Arrow Connector 23"/>
-            <p:cNvCxnSpPr/>
-            <p:nvPr/>
-          </p:nvCxnSpPr>
-          <p:spPr>
-            <a:xfrm flipV="1">
-              <a:off x="4572000" y="609600"/>
-              <a:ext cx="0" cy="3657600"/>
-            </a:xfrm>
-            <a:prstGeom prst="straightConnector1">
-              <a:avLst/>
-            </a:prstGeom>
-            <a:ln w="19050">
-              <a:solidFill>
-                <a:schemeClr val="tx1"/>
-              </a:solidFill>
-              <a:tailEnd type="arrow"/>
-            </a:ln>
-          </p:spPr>
-          <p:style>
-            <a:lnRef idx="1">
-              <a:schemeClr val="accent1"/>
-            </a:lnRef>
-            <a:fillRef idx="0">
-              <a:schemeClr val="accent1"/>
-            </a:fillRef>
-            <a:effectRef idx="0">
-              <a:schemeClr val="accent1"/>
-            </a:effectRef>
-            <a:fontRef idx="minor">
-              <a:schemeClr val="tx1"/>
-            </a:fontRef>
-          </p:style>
-        </p:cxnSp>
-        <p:cxnSp>
-          <p:nvCxnSpPr>
-            <p:cNvPr id="25" name="Straight Arrow Connector 24"/>
-            <p:cNvCxnSpPr/>
-            <p:nvPr/>
-          </p:nvCxnSpPr>
-          <p:spPr>
-            <a:xfrm>
-              <a:off x="2743200" y="3429000"/>
-              <a:ext cx="4114800" cy="0"/>
-            </a:xfrm>
-            <a:prstGeom prst="straightConnector1">
-              <a:avLst/>
-            </a:prstGeom>
-            <a:ln w="19050">
-              <a:solidFill>
-                <a:srgbClr val="000000"/>
-              </a:solidFill>
-              <a:tailEnd type="arrow"/>
-            </a:ln>
-          </p:spPr>
-          <p:style>
-            <a:lnRef idx="1">
-              <a:schemeClr val="accent1"/>
-            </a:lnRef>
-            <a:fillRef idx="0">
-              <a:schemeClr val="accent1"/>
-            </a:fillRef>
-            <a:effectRef idx="0">
-              <a:schemeClr val="accent1"/>
-            </a:effectRef>
-            <a:fontRef idx="minor">
-              <a:schemeClr val="tx1"/>
-            </a:fontRef>
-          </p:style>
-        </p:cxnSp>
-        <p:sp>
-          <p:nvSpPr>
-            <p:cNvPr id="27" name="TextBox 26"/>
-            <p:cNvSpPr txBox="1"/>
-            <p:nvPr/>
-          </p:nvSpPr>
-          <p:spPr>
-            <a:xfrm>
-              <a:off x="4191000" y="609600"/>
-              <a:ext cx="289149" cy="369332"/>
-            </a:xfrm>
-            <a:prstGeom prst="rect">
-              <a:avLst/>
-            </a:prstGeom>
-            <a:noFill/>
-          </p:spPr>
-          <p:txBody>
-            <a:bodyPr wrap="none" rtlCol="0">
-              <a:spAutoFit/>
-            </a:bodyPr>
-            <a:lstStyle/>
-            <a:p>
-              <a:r>
-                <a:rPr lang="en-US" dirty="0" smtClean="0"/>
-                <a:t>y</a:t>
-              </a:r>
-              <a:endParaRPr lang="en-US" dirty="0"/>
-            </a:p>
-          </p:txBody>
-        </p:sp>
-        <p:sp>
-          <p:nvSpPr>
-            <p:cNvPr id="28" name="TextBox 27"/>
-            <p:cNvSpPr txBox="1"/>
-            <p:nvPr/>
-          </p:nvSpPr>
-          <p:spPr>
-            <a:xfrm>
-              <a:off x="6477000" y="3048000"/>
-              <a:ext cx="289149" cy="369332"/>
-            </a:xfrm>
-            <a:prstGeom prst="rect">
-              <a:avLst/>
-            </a:prstGeom>
-            <a:noFill/>
-          </p:spPr>
-          <p:txBody>
-            <a:bodyPr wrap="none" rtlCol="0">
-              <a:spAutoFit/>
-            </a:bodyPr>
-            <a:lstStyle/>
-            <a:p>
-              <a:r>
-                <a:rPr lang="en-US" dirty="0" smtClean="0"/>
-                <a:t>x</a:t>
-              </a:r>
-              <a:endParaRPr lang="en-US" dirty="0"/>
-            </a:p>
-          </p:txBody>
-        </p:sp>
-        <p:sp>
-          <p:nvSpPr>
-            <p:cNvPr id="9" name="TextBox 8"/>
-            <p:cNvSpPr txBox="1"/>
-            <p:nvPr/>
-          </p:nvSpPr>
-          <p:spPr>
-            <a:xfrm>
-              <a:off x="5562600" y="2819400"/>
-              <a:ext cx="642273" cy="369332"/>
-            </a:xfrm>
-            <a:prstGeom prst="rect">
-              <a:avLst/>
-            </a:prstGeom>
-            <a:noFill/>
-          </p:spPr>
-          <p:txBody>
-            <a:bodyPr wrap="none" rtlCol="0">
-              <a:spAutoFit/>
-            </a:bodyPr>
-            <a:lstStyle/>
-            <a:p>
-              <a:r>
-                <a:rPr lang="en-US" dirty="0"/>
-                <a:t>b</a:t>
-              </a:r>
-              <a:r>
-                <a:rPr lang="en-US" dirty="0" smtClean="0"/>
-                <a:t> = </a:t>
-              </a:r>
-              <a:r>
-                <a:rPr lang="en-US" dirty="0" smtClean="0"/>
-                <a:t>1</a:t>
-              </a:r>
-              <a:endParaRPr lang="en-US" dirty="0"/>
-            </a:p>
-          </p:txBody>
-        </p:sp>
-      </p:grpSp>
-      <p:sp>
-        <p:nvSpPr>
-          <p:cNvPr id="12" name="Oval 11"/>
-          <p:cNvSpPr/>
-          <p:nvPr/>
-        </p:nvSpPr>
-        <p:spPr>
-          <a:xfrm>
-            <a:off x="4953000" y="2971800"/>
-            <a:ext cx="91440" cy="91440"/>
-          </a:xfrm>
-          <a:prstGeom prst="ellipse">
-            <a:avLst/>
-          </a:prstGeom>
-          <a:solidFill>
-            <a:srgbClr val="00B0F0"/>
-          </a:solidFill>
-          <a:ln>
-            <a:solidFill>
-              <a:srgbClr val="00B0F0"/>
-            </a:solidFill>
-          </a:ln>
-          <a:effectLst/>
-        </p:spPr>
-        <p:style>
-          <a:lnRef idx="1">
-            <a:schemeClr val="accent1"/>
-          </a:lnRef>
-          <a:fillRef idx="3">
-            <a:schemeClr val="accent1"/>
-          </a:fillRef>
-          <a:effectRef idx="2">
-            <a:schemeClr val="accent1"/>
-          </a:effectRef>
-          <a:fontRef idx="minor">
-            <a:schemeClr val="lt1"/>
-          </a:fontRef>
-        </p:style>
-        <p:txBody>
-          <a:bodyPr rtlCol="0" anchor="ctr"/>
-          <a:lstStyle/>
-          <a:p>
-            <a:pPr algn="ctr"/>
-            <a:endParaRPr lang="en-US"/>
-          </a:p>
-        </p:txBody>
-      </p:sp>
-      <p:sp>
-        <p:nvSpPr>
-          <p:cNvPr id="13" name="Oval 12"/>
-          <p:cNvSpPr/>
-          <p:nvPr/>
-        </p:nvSpPr>
-        <p:spPr>
-          <a:xfrm>
-            <a:off x="4114800" y="2971800"/>
-            <a:ext cx="91440" cy="91440"/>
-          </a:xfrm>
-          <a:prstGeom prst="ellipse">
-            <a:avLst/>
-          </a:prstGeom>
-          <a:solidFill>
-            <a:srgbClr val="00B0F0"/>
-          </a:solidFill>
-          <a:ln>
-            <a:solidFill>
-              <a:srgbClr val="00B0F0"/>
-            </a:solidFill>
-          </a:ln>
-          <a:effectLst/>
-        </p:spPr>
-        <p:style>
-          <a:lnRef idx="1">
-            <a:schemeClr val="accent1"/>
-          </a:lnRef>
-          <a:fillRef idx="3">
-            <a:schemeClr val="accent1"/>
-          </a:fillRef>
-          <a:effectRef idx="2">
-            <a:schemeClr val="accent1"/>
-          </a:effectRef>
-          <a:fontRef idx="minor">
-            <a:schemeClr val="lt1"/>
-          </a:fontRef>
-        </p:style>
-        <p:txBody>
-          <a:bodyPr rtlCol="0" anchor="ctr"/>
-          <a:lstStyle/>
-          <a:p>
-            <a:pPr algn="ctr"/>
-            <a:endParaRPr lang="en-US"/>
-          </a:p>
-        </p:txBody>
-      </p:sp>
-      <p:sp>
-        <p:nvSpPr>
-          <p:cNvPr id="14" name="Oval 13"/>
-          <p:cNvSpPr/>
-          <p:nvPr/>
-        </p:nvSpPr>
-        <p:spPr>
-          <a:xfrm>
-            <a:off x="4521200" y="3390900"/>
-            <a:ext cx="91440" cy="91440"/>
-          </a:xfrm>
-          <a:prstGeom prst="ellipse">
-            <a:avLst/>
-          </a:prstGeom>
-          <a:solidFill>
-            <a:srgbClr val="00B0F0"/>
-          </a:solidFill>
-          <a:ln>
-            <a:solidFill>
-              <a:srgbClr val="00B0F0"/>
-            </a:solidFill>
-          </a:ln>
-          <a:effectLst/>
-        </p:spPr>
-        <p:style>
-          <a:lnRef idx="1">
-            <a:schemeClr val="accent1"/>
-          </a:lnRef>
-          <a:fillRef idx="3">
-            <a:schemeClr val="accent1"/>
-          </a:fillRef>
-          <a:effectRef idx="2">
-            <a:schemeClr val="accent1"/>
-          </a:effectRef>
-          <a:fontRef idx="minor">
-            <a:schemeClr val="lt1"/>
-          </a:fontRef>
-        </p:style>
-        <p:txBody>
-          <a:bodyPr rtlCol="0" anchor="ctr"/>
-          <a:lstStyle/>
-          <a:p>
-            <a:pPr algn="ctr"/>
-            <a:endParaRPr lang="en-US"/>
-          </a:p>
-        </p:txBody>
-      </p:sp>
-    </p:spTree>
-    <p:extLst>
-      <p:ext uri="{BB962C8B-B14F-4D97-AF65-F5344CB8AC3E}">
-        <p14:creationId xmlns:p14="http://schemas.microsoft.com/office/powerpoint/2010/main" xmlns="" val="861583048"/>
-      </p:ext>
-    </p:extLst>
-  </p:cSld>
-  <p:clrMapOvr>
-    <a:masterClrMapping/>
-  </p:clrMapOvr>
-</p:sld>
-</file>
-
-<file path=ppt/slides/slide9.xml><?xml version="1.0" encoding="utf-8"?>
-<p:sld xmlns:a="http://schemas.openxmlformats.org/drawingml/2006/main" xmlns:r="http://schemas.openxmlformats.org/officeDocument/2006/relationships" xmlns:p="http://schemas.openxmlformats.org/presentationml/2006/main">
-  <p:cSld>
-    <p:spTree>
-      <p:nvGrpSpPr>
-        <p:cNvPr id="1" name=""/>
-        <p:cNvGrpSpPr/>
-        <p:nvPr/>
-      </p:nvGrpSpPr>
-      <p:grpSpPr>
-        <a:xfrm>
-          <a:off x="0" y="0"/>
-          <a:ext cx="0" cy="0"/>
-          <a:chOff x="0" y="0"/>
-          <a:chExt cx="0" cy="0"/>
-        </a:xfrm>
-      </p:grpSpPr>
-      <p:grpSp>
-        <p:nvGrpSpPr>
-          <p:cNvPr id="2" name="Group 9"/>
-          <p:cNvGrpSpPr/>
-          <p:nvPr/>
-        </p:nvGrpSpPr>
-        <p:grpSpPr>
-          <a:xfrm>
-            <a:off x="2743200" y="609600"/>
-            <a:ext cx="4114800" cy="3657600"/>
-            <a:chOff x="2743200" y="609600"/>
-            <a:chExt cx="4114800" cy="3657600"/>
-          </a:xfrm>
-        </p:grpSpPr>
-        <p:cxnSp>
-          <p:nvCxnSpPr>
-            <p:cNvPr id="24" name="Straight Arrow Connector 23"/>
-            <p:cNvCxnSpPr/>
-            <p:nvPr/>
-          </p:nvCxnSpPr>
-          <p:spPr>
-            <a:xfrm flipV="1">
-              <a:off x="4572000" y="609600"/>
-              <a:ext cx="0" cy="3657600"/>
-            </a:xfrm>
-            <a:prstGeom prst="straightConnector1">
-              <a:avLst/>
-            </a:prstGeom>
-            <a:ln w="19050">
-              <a:solidFill>
-                <a:schemeClr val="tx1"/>
-              </a:solidFill>
-              <a:tailEnd type="arrow"/>
-            </a:ln>
-          </p:spPr>
-          <p:style>
-            <a:lnRef idx="1">
-              <a:schemeClr val="accent1"/>
-            </a:lnRef>
-            <a:fillRef idx="0">
-              <a:schemeClr val="accent1"/>
-            </a:fillRef>
-            <a:effectRef idx="0">
-              <a:schemeClr val="accent1"/>
-            </a:effectRef>
-            <a:fontRef idx="minor">
-              <a:schemeClr val="tx1"/>
-            </a:fontRef>
-          </p:style>
-        </p:cxnSp>
-        <p:cxnSp>
-          <p:nvCxnSpPr>
-            <p:cNvPr id="25" name="Straight Arrow Connector 24"/>
-            <p:cNvCxnSpPr/>
-            <p:nvPr/>
-          </p:nvCxnSpPr>
-          <p:spPr>
-            <a:xfrm>
-              <a:off x="2743200" y="3429000"/>
-              <a:ext cx="4114800" cy="0"/>
-            </a:xfrm>
-            <a:prstGeom prst="straightConnector1">
-              <a:avLst/>
-            </a:prstGeom>
-            <a:ln w="19050">
-              <a:solidFill>
-                <a:srgbClr val="000000"/>
-              </a:solidFill>
-              <a:tailEnd type="arrow"/>
-            </a:ln>
-          </p:spPr>
-          <p:style>
-            <a:lnRef idx="1">
-              <a:schemeClr val="accent1"/>
-            </a:lnRef>
-            <a:fillRef idx="0">
-              <a:schemeClr val="accent1"/>
-            </a:fillRef>
-            <a:effectRef idx="0">
-              <a:schemeClr val="accent1"/>
-            </a:effectRef>
-            <a:fontRef idx="minor">
-              <a:schemeClr val="tx1"/>
-            </a:fontRef>
-          </p:style>
-        </p:cxnSp>
-        <p:sp>
-          <p:nvSpPr>
-            <p:cNvPr id="27" name="TextBox 26"/>
-            <p:cNvSpPr txBox="1"/>
-            <p:nvPr/>
-          </p:nvSpPr>
-          <p:spPr>
-            <a:xfrm>
-              <a:off x="4191000" y="609600"/>
-              <a:ext cx="289149" cy="369332"/>
-            </a:xfrm>
-            <a:prstGeom prst="rect">
-              <a:avLst/>
-            </a:prstGeom>
-            <a:noFill/>
-          </p:spPr>
-          <p:txBody>
-            <a:bodyPr wrap="none" rtlCol="0">
-              <a:spAutoFit/>
-            </a:bodyPr>
-            <a:lstStyle/>
-            <a:p>
-              <a:r>
-                <a:rPr lang="en-US" dirty="0" smtClean="0"/>
-                <a:t>y</a:t>
-              </a:r>
-              <a:endParaRPr lang="en-US" dirty="0"/>
-            </a:p>
-          </p:txBody>
-        </p:sp>
-        <p:sp>
-          <p:nvSpPr>
-            <p:cNvPr id="28" name="TextBox 27"/>
-            <p:cNvSpPr txBox="1"/>
-            <p:nvPr/>
-          </p:nvSpPr>
-          <p:spPr>
-            <a:xfrm>
-              <a:off x="6477000" y="3048000"/>
-              <a:ext cx="289149" cy="369332"/>
-            </a:xfrm>
-            <a:prstGeom prst="rect">
-              <a:avLst/>
-            </a:prstGeom>
-            <a:noFill/>
-          </p:spPr>
-          <p:txBody>
-            <a:bodyPr wrap="none" rtlCol="0">
-              <a:spAutoFit/>
-            </a:bodyPr>
-            <a:lstStyle/>
-            <a:p>
-              <a:r>
-                <a:rPr lang="en-US" dirty="0" smtClean="0"/>
-                <a:t>x</a:t>
-              </a:r>
-              <a:endParaRPr lang="en-US" dirty="0"/>
-            </a:p>
-          </p:txBody>
-        </p:sp>
-        <p:sp>
-          <p:nvSpPr>
-            <p:cNvPr id="9" name="TextBox 8"/>
-            <p:cNvSpPr txBox="1"/>
-            <p:nvPr/>
-          </p:nvSpPr>
-          <p:spPr>
-            <a:xfrm>
-              <a:off x="5562600" y="2819400"/>
-              <a:ext cx="644728" cy="369332"/>
-            </a:xfrm>
-            <a:prstGeom prst="rect">
-              <a:avLst/>
-            </a:prstGeom>
-            <a:noFill/>
-          </p:spPr>
-          <p:txBody>
-            <a:bodyPr wrap="none" rtlCol="0">
-              <a:spAutoFit/>
-            </a:bodyPr>
-            <a:lstStyle/>
-            <a:p>
-              <a:r>
-                <a:rPr lang="en-US" dirty="0"/>
-                <a:t>b</a:t>
-              </a:r>
-              <a:r>
-                <a:rPr lang="en-US" dirty="0" smtClean="0"/>
-                <a:t> = </a:t>
-              </a:r>
-              <a:r>
-                <a:rPr lang="en-US" dirty="0" smtClean="0"/>
-                <a:t>2</a:t>
-              </a:r>
-              <a:endParaRPr lang="en-US" dirty="0"/>
-            </a:p>
-          </p:txBody>
-        </p:sp>
-      </p:grpSp>
-      <p:sp>
-        <p:nvSpPr>
-          <p:cNvPr id="12" name="Oval 11"/>
-          <p:cNvSpPr/>
-          <p:nvPr/>
-        </p:nvSpPr>
-        <p:spPr>
-          <a:xfrm>
-            <a:off x="4953000" y="2971800"/>
-            <a:ext cx="91440" cy="91440"/>
-          </a:xfrm>
-          <a:prstGeom prst="ellipse">
-            <a:avLst/>
-          </a:prstGeom>
-          <a:solidFill>
-            <a:srgbClr val="00B0F0"/>
-          </a:solidFill>
-          <a:ln>
-            <a:solidFill>
-              <a:srgbClr val="00B0F0"/>
-            </a:solidFill>
-          </a:ln>
-          <a:effectLst/>
-        </p:spPr>
-        <p:style>
-          <a:lnRef idx="1">
-            <a:schemeClr val="accent1"/>
-          </a:lnRef>
-          <a:fillRef idx="3">
-            <a:schemeClr val="accent1"/>
-          </a:fillRef>
-          <a:effectRef idx="2">
-            <a:schemeClr val="accent1"/>
-          </a:effectRef>
-          <a:fontRef idx="minor">
-            <a:schemeClr val="lt1"/>
-          </a:fontRef>
-        </p:style>
-        <p:txBody>
-          <a:bodyPr rtlCol="0" anchor="ctr"/>
-          <a:lstStyle/>
-          <a:p>
-            <a:pPr algn="ctr"/>
-            <a:endParaRPr lang="en-US"/>
-          </a:p>
-        </p:txBody>
-      </p:sp>
-      <p:sp>
-        <p:nvSpPr>
-          <p:cNvPr id="13" name="Oval 12"/>
-          <p:cNvSpPr/>
-          <p:nvPr/>
-        </p:nvSpPr>
-        <p:spPr>
-          <a:xfrm>
-            <a:off x="4114800" y="2971800"/>
-            <a:ext cx="91440" cy="91440"/>
-          </a:xfrm>
-          <a:prstGeom prst="ellipse">
-            <a:avLst/>
-          </a:prstGeom>
-          <a:solidFill>
-            <a:srgbClr val="00B0F0"/>
-          </a:solidFill>
-          <a:ln>
-            <a:solidFill>
-              <a:srgbClr val="00B0F0"/>
-            </a:solidFill>
-          </a:ln>
-          <a:effectLst/>
-        </p:spPr>
-        <p:style>
-          <a:lnRef idx="1">
-            <a:schemeClr val="accent1"/>
-          </a:lnRef>
-          <a:fillRef idx="3">
-            <a:schemeClr val="accent1"/>
-          </a:fillRef>
-          <a:effectRef idx="2">
-            <a:schemeClr val="accent1"/>
-          </a:effectRef>
-          <a:fontRef idx="minor">
-            <a:schemeClr val="lt1"/>
-          </a:fontRef>
-        </p:style>
-        <p:txBody>
-          <a:bodyPr rtlCol="0" anchor="ctr"/>
-          <a:lstStyle/>
-          <a:p>
-            <a:pPr algn="ctr"/>
-            <a:endParaRPr lang="en-US"/>
-          </a:p>
-        </p:txBody>
-      </p:sp>
-      <p:sp>
-        <p:nvSpPr>
-          <p:cNvPr id="14" name="Oval 13"/>
-          <p:cNvSpPr/>
-          <p:nvPr/>
-        </p:nvSpPr>
-        <p:spPr>
-          <a:xfrm>
-            <a:off x="4521200" y="3390900"/>
-            <a:ext cx="91440" cy="91440"/>
-          </a:xfrm>
-          <a:prstGeom prst="ellipse">
-            <a:avLst/>
-          </a:prstGeom>
-          <a:solidFill>
-            <a:srgbClr val="00B0F0"/>
-          </a:solidFill>
-          <a:ln>
-            <a:solidFill>
-              <a:srgbClr val="00B0F0"/>
-            </a:solidFill>
-          </a:ln>
-          <a:effectLst/>
-        </p:spPr>
-        <p:style>
-          <a:lnRef idx="1">
-            <a:schemeClr val="accent1"/>
-          </a:lnRef>
-          <a:fillRef idx="3">
-            <a:schemeClr val="accent1"/>
-          </a:fillRef>
-          <a:effectRef idx="2">
-            <a:schemeClr val="accent1"/>
-          </a:effectRef>
-          <a:fontRef idx="minor">
-            <a:schemeClr val="lt1"/>
-          </a:fontRef>
-        </p:style>
-        <p:txBody>
-          <a:bodyPr rtlCol="0" anchor="ctr"/>
-          <a:lstStyle/>
-          <a:p>
-            <a:pPr algn="ctr"/>
-            <a:endParaRPr lang="en-US"/>
-          </a:p>
-        </p:txBody>
-      </p:sp>
-      <p:sp>
-        <p:nvSpPr>
-          <p:cNvPr id="16" name="Oval 15"/>
-          <p:cNvSpPr/>
-          <p:nvPr/>
-        </p:nvSpPr>
-        <p:spPr>
-          <a:xfrm>
-            <a:off x="5334000" y="2590800"/>
-            <a:ext cx="91440" cy="91440"/>
-          </a:xfrm>
-          <a:prstGeom prst="ellipse">
-            <a:avLst/>
-          </a:prstGeom>
-          <a:solidFill>
-            <a:srgbClr val="00B0F0"/>
-          </a:solidFill>
-          <a:ln>
-            <a:solidFill>
-              <a:srgbClr val="00B0F0"/>
-            </a:solidFill>
-          </a:ln>
-          <a:effectLst/>
-        </p:spPr>
-        <p:style>
-          <a:lnRef idx="1">
-            <a:schemeClr val="accent1"/>
-          </a:lnRef>
-          <a:fillRef idx="3">
-            <a:schemeClr val="accent1"/>
-          </a:fillRef>
-          <a:effectRef idx="2">
-            <a:schemeClr val="accent1"/>
-          </a:effectRef>
-          <a:fontRef idx="minor">
-            <a:schemeClr val="lt1"/>
-          </a:fontRef>
-        </p:style>
-        <p:txBody>
-          <a:bodyPr rtlCol="0" anchor="ctr"/>
-          <a:lstStyle/>
-          <a:p>
-            <a:pPr algn="ctr"/>
-            <a:endParaRPr lang="en-US"/>
-          </a:p>
-        </p:txBody>
-      </p:sp>
-      <p:sp>
-        <p:nvSpPr>
-          <p:cNvPr id="17" name="Oval 16"/>
-          <p:cNvSpPr/>
-          <p:nvPr/>
-        </p:nvSpPr>
-        <p:spPr>
-          <a:xfrm>
-            <a:off x="3733800" y="2590800"/>
-            <a:ext cx="91440" cy="91440"/>
-          </a:xfrm>
-          <a:prstGeom prst="ellipse">
-            <a:avLst/>
-          </a:prstGeom>
-          <a:solidFill>
-            <a:srgbClr val="00B0F0"/>
-          </a:solidFill>
-          <a:ln>
-            <a:solidFill>
-              <a:srgbClr val="00B0F0"/>
-            </a:solidFill>
-          </a:ln>
-          <a:effectLst/>
-        </p:spPr>
-        <p:style>
-          <a:lnRef idx="1">
-            <a:schemeClr val="accent1"/>
-          </a:lnRef>
-          <a:fillRef idx="3">
-            <a:schemeClr val="accent1"/>
-          </a:fillRef>
-          <a:effectRef idx="2">
-            <a:schemeClr val="accent1"/>
-          </a:effectRef>
-          <a:fontRef idx="minor">
-            <a:schemeClr val="lt1"/>
-          </a:fontRef>
-        </p:style>
-        <p:txBody>
-          <a:bodyPr rtlCol="0" anchor="ctr"/>
-          <a:lstStyle/>
-          <a:p>
-            <a:pPr algn="ctr"/>
-            <a:endParaRPr lang="en-US"/>
-          </a:p>
-        </p:txBody>
-      </p:sp>
     </p:spTree>
     <p:extLst>
       <p:ext uri="{BB962C8B-B14F-4D97-AF65-F5344CB8AC3E}">
